--- a/Documentation/Release 2 Storyboarding/ProjectOfficer.pptx
+++ b/Documentation/Release 2 Storyboarding/ProjectOfficer.pptx
@@ -2,13 +2,13 @@
 <file path=ppt/presentation.xml><?xml version="1.0" encoding="utf-8"?>
 <p:presentation xmlns:a="http://schemas.openxmlformats.org/drawingml/2006/main" xmlns:r="http://schemas.openxmlformats.org/officeDocument/2006/relationships" xmlns:p="http://schemas.openxmlformats.org/presentationml/2006/main" saveSubsetFonts="1">
   <p:sldMasterIdLst>
-    <p:sldMasterId id="2147483660" r:id="rId58"/>
+    <p:sldMasterId id="2147483660" r:id="rId59"/>
   </p:sldMasterIdLst>
   <p:sldIdLst>
-    <p:sldId id="256" r:id="rId59"/>
-    <p:sldId id="257" r:id="rId60"/>
-    <p:sldId id="258" r:id="rId61"/>
-    <p:sldId id="259" r:id="rId62"/>
+    <p:sldId id="256" r:id="rId60"/>
+    <p:sldId id="257" r:id="rId61"/>
+    <p:sldId id="258" r:id="rId62"/>
+    <p:sldId id="259" r:id="rId63"/>
   </p:sldIdLst>
   <p:sldSz cx="9144000" cy="6858000" type="screen4x3"/>
   <p:notesSz cx="6858000" cy="9144000"/>
@@ -1372,7 +1372,7 @@
           <a:p>
             <a:fld id="{ABFEF788-F3BB-4429-AAFE-A2F89F0C8F35}" type="datetimeFigureOut">
               <a:rPr lang="en-US" smtClean="0"/>
-              <a:t>4/28/2014</a:t>
+              <a:t>4/29/2014</a:t>
             </a:fld>
             <a:endParaRPr lang="en-US"/>
           </a:p>
@@ -1552,7 +1552,7 @@
           <a:p>
             <a:fld id="{ABFEF788-F3BB-4429-AAFE-A2F89F0C8F35}" type="datetimeFigureOut">
               <a:rPr lang="en-US" smtClean="0"/>
-              <a:t>4/28/2014</a:t>
+              <a:t>4/29/2014</a:t>
             </a:fld>
             <a:endParaRPr lang="en-US"/>
           </a:p>
@@ -5048,7 +5048,7 @@
           <a:p>
             <a:fld id="{ABFEF788-F3BB-4429-AAFE-A2F89F0C8F35}" type="datetimeFigureOut">
               <a:rPr lang="en-US" smtClean="0"/>
-              <a:t>4/28/2014</a:t>
+              <a:t>4/29/2014</a:t>
             </a:fld>
             <a:endParaRPr lang="en-US"/>
           </a:p>
@@ -5292,7 +5292,7 @@
           <a:p>
             <a:fld id="{ABFEF788-F3BB-4429-AAFE-A2F89F0C8F35}" type="datetimeFigureOut">
               <a:rPr lang="en-US" smtClean="0"/>
-              <a:t>4/28/2014</a:t>
+              <a:t>4/29/2014</a:t>
             </a:fld>
             <a:endParaRPr lang="en-US"/>
           </a:p>
@@ -5524,7 +5524,7 @@
           <a:p>
             <a:fld id="{ABFEF788-F3BB-4429-AAFE-A2F89F0C8F35}" type="datetimeFigureOut">
               <a:rPr lang="en-US" smtClean="0"/>
-              <a:t>4/28/2014</a:t>
+              <a:t>4/29/2014</a:t>
             </a:fld>
             <a:endParaRPr lang="en-US"/>
           </a:p>
@@ -5891,7 +5891,7 @@
           <a:p>
             <a:fld id="{ABFEF788-F3BB-4429-AAFE-A2F89F0C8F35}" type="datetimeFigureOut">
               <a:rPr lang="en-US" smtClean="0"/>
-              <a:t>4/28/2014</a:t>
+              <a:t>4/29/2014</a:t>
             </a:fld>
             <a:endParaRPr lang="en-US"/>
           </a:p>
@@ -6009,7 +6009,7 @@
           <a:p>
             <a:fld id="{ABFEF788-F3BB-4429-AAFE-A2F89F0C8F35}" type="datetimeFigureOut">
               <a:rPr lang="en-US" smtClean="0"/>
-              <a:t>4/28/2014</a:t>
+              <a:t>4/29/2014</a:t>
             </a:fld>
             <a:endParaRPr lang="en-US"/>
           </a:p>
@@ -6104,7 +6104,7 @@
           <a:p>
             <a:fld id="{ABFEF788-F3BB-4429-AAFE-A2F89F0C8F35}" type="datetimeFigureOut">
               <a:rPr lang="en-US" smtClean="0"/>
-              <a:t>4/28/2014</a:t>
+              <a:t>4/29/2014</a:t>
             </a:fld>
             <a:endParaRPr lang="en-US"/>
           </a:p>
@@ -6381,7 +6381,7 @@
           <a:p>
             <a:fld id="{ABFEF788-F3BB-4429-AAFE-A2F89F0C8F35}" type="datetimeFigureOut">
               <a:rPr lang="en-US" smtClean="0"/>
-              <a:t>4/28/2014</a:t>
+              <a:t>4/29/2014</a:t>
             </a:fld>
             <a:endParaRPr lang="en-US"/>
           </a:p>
@@ -6638,7 +6638,7 @@
           <a:p>
             <a:fld id="{ABFEF788-F3BB-4429-AAFE-A2F89F0C8F35}" type="datetimeFigureOut">
               <a:rPr lang="en-US" smtClean="0"/>
-              <a:t>4/28/2014</a:t>
+              <a:t>4/29/2014</a:t>
             </a:fld>
             <a:endParaRPr lang="en-US"/>
           </a:p>
@@ -6851,7 +6851,7 @@
           <a:p>
             <a:fld id="{ABFEF788-F3BB-4429-AAFE-A2F89F0C8F35}" type="datetimeFigureOut">
               <a:rPr lang="en-US" smtClean="0"/>
-              <a:t>4/28/2014</a:t>
+              <a:t>4/29/2014</a:t>
             </a:fld>
             <a:endParaRPr lang="en-US"/>
           </a:p>
@@ -7796,6 +7796,92 @@
           </a:p>
         </p:txBody>
       </p:sp>
+      <p:sp>
+        <p:nvSpPr>
+          <p:cNvPr id="12" name="Content"/>
+          <p:cNvSpPr/>
+          <p:nvPr>
+            <p:custDataLst>
+              <p:custData r:id="rId4"/>
+            </p:custDataLst>
+          </p:nvPr>
+        </p:nvSpPr>
+        <p:spPr>
+          <a:xfrm>
+            <a:off x="343002" y="1681687"/>
+            <a:ext cx="1106592" cy="228600"/>
+          </a:xfrm>
+          <a:prstGeom prst="roundRect">
+            <a:avLst/>
+          </a:prstGeom>
+          <a:solidFill>
+            <a:srgbClr val="FFFFFF">
+              <a:lumMod val="95000"/>
+            </a:srgbClr>
+          </a:solidFill>
+          <a:ln w="3175">
+            <a:solidFill>
+              <a:srgbClr val="000000">
+                <a:lumMod val="50000"/>
+                <a:lumOff val="50000"/>
+              </a:srgbClr>
+            </a:solidFill>
+          </a:ln>
+          <a:effectLst/>
+        </p:spPr>
+        <p:style>
+          <a:lnRef idx="2">
+            <a:srgbClr val="4F81BD">
+              <a:shade val="50000"/>
+            </a:srgbClr>
+          </a:lnRef>
+          <a:fillRef idx="1">
+            <a:srgbClr val="4F81BD"/>
+          </a:fillRef>
+          <a:effectRef idx="0">
+            <a:srgbClr val="4F81BD"/>
+          </a:effectRef>
+          <a:fontRef idx="minor">
+            <a:srgbClr val="000000"/>
+          </a:fontRef>
+        </p:style>
+        <p:txBody>
+          <a:bodyPr wrap="square" lIns="91440" tIns="0" rIns="91440" bIns="9144" rtlCol="0" anchor="ctr">
+            <a:noAutofit/>
+          </a:bodyPr>
+          <a:lstStyle/>
+          <a:p>
+            <a:pPr algn="ctr"/>
+            <a:r>
+              <a:rPr lang="en-US" sz="1200" dirty="0" smtClean="0">
+                <a:solidFill>
+                  <a:srgbClr val="000000"/>
+                </a:solidFill>
+                <a:latin typeface="Segoe UI" pitchFamily="34" charset="0"/>
+                <a:cs typeface="Segoe UI" pitchFamily="34" charset="0"/>
+              </a:rPr>
+              <a:t>Form </a:t>
+            </a:r>
+            <a:r>
+              <a:rPr lang="en-US" sz="1200" dirty="0" smtClean="0">
+                <a:solidFill>
+                  <a:srgbClr val="000000"/>
+                </a:solidFill>
+                <a:latin typeface="Segoe UI" pitchFamily="34" charset="0"/>
+                <a:cs typeface="Segoe UI" pitchFamily="34" charset="0"/>
+              </a:rPr>
+              <a:t>3 </a:t>
+            </a:r>
+            <a:endParaRPr lang="en-US" sz="1200" dirty="0">
+              <a:solidFill>
+                <a:srgbClr val="000000"/>
+              </a:solidFill>
+              <a:latin typeface="Segoe UI" pitchFamily="34" charset="0"/>
+              <a:cs typeface="Segoe UI" pitchFamily="34" charset="0"/>
+            </a:endParaRPr>
+          </a:p>
+        </p:txBody>
+      </p:sp>
     </p:spTree>
     <p:extLst>
       <p:ext uri="{BB962C8B-B14F-4D97-AF65-F5344CB8AC3E}">
@@ -7885,14 +7971,6 @@
               </a:rPr>
               <a:t> PDM Collection Form</a:t>
             </a:r>
-            <a:endParaRPr lang="en-US" sz="1200" dirty="0" smtClean="0">
-              <a:solidFill>
-                <a:srgbClr val="000000"/>
-              </a:solidFill>
-              <a:latin typeface="Segoe UI" pitchFamily="34" charset="0"/>
-              <a:ea typeface="Segoe UI" pitchFamily="34" charset="0"/>
-              <a:cs typeface="Segoe UI" pitchFamily="34" charset="0"/>
-            </a:endParaRPr>
           </a:p>
         </p:txBody>
       </p:sp>
@@ -8201,14 +8279,6 @@
               </a:rPr>
               <a:t>Personal Information</a:t>
             </a:r>
-            <a:endParaRPr lang="en-US" sz="1200" dirty="0" smtClean="0">
-              <a:solidFill>
-                <a:srgbClr val="000000"/>
-              </a:solidFill>
-              <a:latin typeface="Segoe UI" pitchFamily="34" charset="0"/>
-              <a:ea typeface="Segoe UI" pitchFamily="34" charset="0"/>
-              <a:cs typeface="Segoe UI" pitchFamily="34" charset="0"/>
-            </a:endParaRPr>
           </a:p>
         </p:txBody>
       </p:sp>
@@ -8308,14 +8378,6 @@
               </a:rPr>
               <a:t>A2: District </a:t>
             </a:r>
-            <a:endParaRPr lang="en-US" sz="1200" dirty="0" smtClean="0">
-              <a:solidFill>
-                <a:srgbClr val="000000"/>
-              </a:solidFill>
-              <a:latin typeface="Segoe UI" pitchFamily="34" charset="0"/>
-              <a:ea typeface="Segoe UI" pitchFamily="34" charset="0"/>
-              <a:cs typeface="Segoe UI" pitchFamily="34" charset="0"/>
-            </a:endParaRPr>
           </a:p>
         </p:txBody>
       </p:sp>
@@ -8356,14 +8418,6 @@
               </a:rPr>
               <a:t>A3: Village</a:t>
             </a:r>
-            <a:endParaRPr lang="en-US" sz="1200" dirty="0" smtClean="0">
-              <a:solidFill>
-                <a:srgbClr val="000000"/>
-              </a:solidFill>
-              <a:latin typeface="Segoe UI" pitchFamily="34" charset="0"/>
-              <a:ea typeface="Segoe UI" pitchFamily="34" charset="0"/>
-              <a:cs typeface="Segoe UI" pitchFamily="34" charset="0"/>
-            </a:endParaRPr>
           </a:p>
         </p:txBody>
       </p:sp>
@@ -8404,14 +8458,6 @@
               </a:rPr>
               <a:t>A4: Codes</a:t>
             </a:r>
-            <a:endParaRPr lang="en-US" sz="1200" dirty="0" smtClean="0">
-              <a:solidFill>
-                <a:srgbClr val="000000"/>
-              </a:solidFill>
-              <a:latin typeface="Segoe UI" pitchFamily="34" charset="0"/>
-              <a:ea typeface="Segoe UI" pitchFamily="34" charset="0"/>
-              <a:cs typeface="Segoe UI" pitchFamily="34" charset="0"/>
-            </a:endParaRPr>
           </a:p>
         </p:txBody>
       </p:sp>
@@ -9338,14 +9384,6 @@
               </a:rPr>
               <a:t>A18</a:t>
             </a:r>
-            <a:endParaRPr lang="en-US" sz="1200" dirty="0" smtClean="0">
-              <a:solidFill>
-                <a:srgbClr val="000000"/>
-              </a:solidFill>
-              <a:latin typeface="Segoe UI" pitchFamily="34" charset="0"/>
-              <a:ea typeface="Segoe UI" pitchFamily="34" charset="0"/>
-              <a:cs typeface="Segoe UI" pitchFamily="34" charset="0"/>
-            </a:endParaRPr>
           </a:p>
         </p:txBody>
       </p:sp>
@@ -9687,14 +9725,6 @@
               </a:rPr>
               <a:t>Collection of cash</a:t>
             </a:r>
-            <a:endParaRPr lang="en-US" sz="1200" dirty="0" smtClean="0">
-              <a:solidFill>
-                <a:srgbClr val="000000"/>
-              </a:solidFill>
-              <a:latin typeface="Segoe UI" pitchFamily="34" charset="0"/>
-              <a:ea typeface="Segoe UI" pitchFamily="34" charset="0"/>
-              <a:cs typeface="Segoe UI" pitchFamily="34" charset="0"/>
-            </a:endParaRPr>
           </a:p>
         </p:txBody>
       </p:sp>
@@ -9735,14 +9765,6 @@
               </a:rPr>
               <a:t>A1: ID Number</a:t>
             </a:r>
-            <a:endParaRPr lang="en-US" sz="1200" dirty="0" smtClean="0">
-              <a:solidFill>
-                <a:srgbClr val="000000"/>
-              </a:solidFill>
-              <a:latin typeface="Segoe UI" pitchFamily="34" charset="0"/>
-              <a:ea typeface="Segoe UI" pitchFamily="34" charset="0"/>
-              <a:cs typeface="Segoe UI" pitchFamily="34" charset="0"/>
-            </a:endParaRPr>
           </a:p>
         </p:txBody>
       </p:sp>
@@ -9783,14 +9805,6 @@
               </a:rPr>
               <a:t>A2: District </a:t>
             </a:r>
-            <a:endParaRPr lang="en-US" sz="1200" dirty="0" smtClean="0">
-              <a:solidFill>
-                <a:srgbClr val="000000"/>
-              </a:solidFill>
-              <a:latin typeface="Segoe UI" pitchFamily="34" charset="0"/>
-              <a:ea typeface="Segoe UI" pitchFamily="34" charset="0"/>
-              <a:cs typeface="Segoe UI" pitchFamily="34" charset="0"/>
-            </a:endParaRPr>
           </a:p>
         </p:txBody>
       </p:sp>
@@ -9831,14 +9845,6 @@
               </a:rPr>
               <a:t>A3: Village</a:t>
             </a:r>
-            <a:endParaRPr lang="en-US" sz="1200" dirty="0" smtClean="0">
-              <a:solidFill>
-                <a:srgbClr val="000000"/>
-              </a:solidFill>
-              <a:latin typeface="Segoe UI" pitchFamily="34" charset="0"/>
-              <a:ea typeface="Segoe UI" pitchFamily="34" charset="0"/>
-              <a:cs typeface="Segoe UI" pitchFamily="34" charset="0"/>
-            </a:endParaRPr>
           </a:p>
         </p:txBody>
       </p:sp>
@@ -9879,14 +9885,6 @@
               </a:rPr>
               <a:t>A4: Codes</a:t>
             </a:r>
-            <a:endParaRPr lang="en-US" sz="1200" dirty="0" smtClean="0">
-              <a:solidFill>
-                <a:srgbClr val="000000"/>
-              </a:solidFill>
-              <a:latin typeface="Segoe UI" pitchFamily="34" charset="0"/>
-              <a:ea typeface="Segoe UI" pitchFamily="34" charset="0"/>
-              <a:cs typeface="Segoe UI" pitchFamily="34" charset="0"/>
-            </a:endParaRPr>
           </a:p>
         </p:txBody>
       </p:sp>
@@ -10813,14 +10811,6 @@
               </a:rPr>
               <a:t>A18</a:t>
             </a:r>
-            <a:endParaRPr lang="en-US" sz="1200" dirty="0" smtClean="0">
-              <a:solidFill>
-                <a:srgbClr val="000000"/>
-              </a:solidFill>
-              <a:latin typeface="Segoe UI" pitchFamily="34" charset="0"/>
-              <a:ea typeface="Segoe UI" pitchFamily="34" charset="0"/>
-              <a:cs typeface="Segoe UI" pitchFamily="34" charset="0"/>
-            </a:endParaRPr>
           </a:p>
         </p:txBody>
       </p:sp>
@@ -11371,25 +11361,25 @@
 
 <file path=customXml/item1.xml><?xml version="1.0" encoding="utf-8"?>
 <Control xmlns="http://schemas.microsoft.com/VisualStudio/2011/storyboarding/control">
-  <Id Name="366cd925-969f-44e1-b789-354cb31b0dfd" RevisionId="87c5073a-f3d6-4c7e-a7b7-c9586eacad3b" Stencil="172d6d98-e5c9-42e9-a209-79f7a94bbd38" StencilRevisionId="00000000-0000-0000-0000-000000000000" StencilVersion="0.0"/>
+  <Id Name="System.Storyboarding.Common.Text" Revision="1" Stencil="System.Storyboarding.Common" StencilVersion="0.1"/>
 </Control>
 </file>
 
 <file path=customXml/item10.xml><?xml version="1.0" encoding="utf-8"?>
 <Control xmlns="http://schemas.microsoft.com/VisualStudio/2011/storyboarding/control">
-  <Id Name="366cd925-969f-44e1-b789-354cb31b0dfd" RevisionId="87c5073a-f3d6-4c7e-a7b7-c9586eacad3b" Stencil="172d6d98-e5c9-42e9-a209-79f7a94bbd38" StencilRevisionId="00000000-0000-0000-0000-000000000000" StencilVersion="0.0"/>
+  <Id Name="System.Storyboarding.Common.Text" Revision="1" Stencil="System.Storyboarding.Common" StencilVersion="0.1"/>
 </Control>
 </file>
 
 <file path=customXml/item11.xml><?xml version="1.0" encoding="utf-8"?>
 <Control xmlns="http://schemas.microsoft.com/VisualStudio/2011/storyboarding/control">
-  <Id Name="9d9c56e0-6ca3-4298-b757-9c73dab947ac" RevisionId="993ea365-49c2-46dc-bf14-e971e460de1e" Stencil="172d6d98-e5c9-42e9-a209-79f7a94bbd38" StencilRevisionId="00000000-0000-0000-0000-000000000000" StencilVersion="0.0"/>
+  <Id Name="System.Storyboarding.Common.Text" Revision="1" Stencil="System.Storyboarding.Common" StencilVersion="0.1"/>
 </Control>
 </file>
 
 <file path=customXml/item12.xml><?xml version="1.0" encoding="utf-8"?>
 <Control xmlns="http://schemas.microsoft.com/VisualStudio/2011/storyboarding/control">
-  <Id Name="600d61f4-2d09-42e6-a6db-83e260e051ae" RevisionId="3c9eb7e9-0ea7-4fb5-adc7-dcc81ff0fb36" Stencil="172d6d98-e5c9-42e9-a209-79f7a94bbd38" StencilRevisionId="00000000-0000-0000-0000-000000000000" StencilVersion="0.0"/>
+  <Id Name="System.Storyboarding.Common.SearchBox" Revision="1" Stencil="System.Storyboarding.Common" StencilVersion="0.1"/>
 </Control>
 </file>
 
@@ -11401,7 +11391,7 @@
 
 <file path=customXml/item14.xml><?xml version="1.0" encoding="utf-8"?>
 <Control xmlns="http://schemas.microsoft.com/VisualStudio/2011/storyboarding/control">
-  <Id Name="9d9c56e0-6ca3-4298-b757-9c73dab947ac" RevisionId="993ea365-49c2-46dc-bf14-e971e460de1e" Stencil="172d6d98-e5c9-42e9-a209-79f7a94bbd38" StencilRevisionId="00000000-0000-0000-0000-000000000000" StencilVersion="0.0"/>
+  <Id Name="600d61f4-2d09-42e6-a6db-83e260e051ae" RevisionId="3c9eb7e9-0ea7-4fb5-adc7-dcc81ff0fb36" Stencil="172d6d98-e5c9-42e9-a209-79f7a94bbd38" StencilRevisionId="00000000-0000-0000-0000-000000000000" StencilVersion="0.0"/>
 </Control>
 </file>
 
@@ -11413,25 +11403,25 @@
 
 <file path=customXml/item16.xml><?xml version="1.0" encoding="utf-8"?>
 <Control xmlns="http://schemas.microsoft.com/VisualStudio/2011/storyboarding/control">
-  <Id Name="9d9c56e0-6ca3-4298-b757-9c73dab947ac" RevisionId="993ea365-49c2-46dc-bf14-e971e460de1e" Stencil="172d6d98-e5c9-42e9-a209-79f7a94bbd38" StencilRevisionId="00000000-0000-0000-0000-000000000000" StencilVersion="0.0"/>
+  <Id Name="System.Storyboarding.Common.Button" Revision="1" Stencil="System.Storyboarding.Common" StencilVersion="0.1"/>
 </Control>
 </file>
 
 <file path=customXml/item17.xml><?xml version="1.0" encoding="utf-8"?>
 <Control xmlns="http://schemas.microsoft.com/VisualStudio/2011/storyboarding/control">
-  <Id Name="366cd925-969f-44e1-b789-354cb31b0dfd" RevisionId="87c5073a-f3d6-4c7e-a7b7-c9586eacad3b" Stencil="172d6d98-e5c9-42e9-a209-79f7a94bbd38" StencilRevisionId="00000000-0000-0000-0000-000000000000" StencilVersion="0.0"/>
+  <Id Name="System.Storyboarding.Common.Button" Revision="1" Stencil="System.Storyboarding.Common" StencilVersion="0.1"/>
 </Control>
 </file>
 
 <file path=customXml/item18.xml><?xml version="1.0" encoding="utf-8"?>
 <Control xmlns="http://schemas.microsoft.com/VisualStudio/2011/storyboarding/control">
-  <Id Name="366cd925-969f-44e1-b789-354cb31b0dfd" RevisionId="87c5073a-f3d6-4c7e-a7b7-c9586eacad3b" Stencil="172d6d98-e5c9-42e9-a209-79f7a94bbd38" StencilRevisionId="00000000-0000-0000-0000-000000000000" StencilVersion="0.0"/>
+  <Id Name="System.Storyboarding.Common.Text" Revision="1" Stencil="System.Storyboarding.Common" StencilVersion="0.1"/>
 </Control>
 </file>
 
 <file path=customXml/item19.xml><?xml version="1.0" encoding="utf-8"?>
 <Control xmlns="http://schemas.microsoft.com/VisualStudio/2011/storyboarding/control">
-  <Id Name="600d61f4-2d09-42e6-a6db-83e260e051ae" RevisionId="3c9eb7e9-0ea7-4fb5-adc7-dcc81ff0fb36" Stencil="172d6d98-e5c9-42e9-a209-79f7a94bbd38" StencilRevisionId="00000000-0000-0000-0000-000000000000" StencilVersion="0.0"/>
+  <Id Name="System.Storyboarding.Common.DropdownBox" Revision="1" Stencil="System.Storyboarding.Common" StencilVersion="0.1"/>
 </Control>
 </file>
 
@@ -11443,73 +11433,73 @@
 
 <file path=customXml/item20.xml><?xml version="1.0" encoding="utf-8"?>
 <Control xmlns="http://schemas.microsoft.com/VisualStudio/2011/storyboarding/control">
+  <Id Name="System.Storyboarding.Common.Text" Revision="1" Stencil="System.Storyboarding.Common" StencilVersion="0.1"/>
+</Control>
+</file>
+
+<file path=customXml/item21.xml><?xml version="1.0" encoding="utf-8"?>
+<Control xmlns="http://schemas.microsoft.com/VisualStudio/2011/storyboarding/control">
+  <Id Name="System.Storyboarding.Common.TextInput" Revision="1" Stencil="System.Storyboarding.Common" StencilVersion="0.1"/>
+</Control>
+</file>
+
+<file path=customXml/item22.xml><?xml version="1.0" encoding="utf-8"?>
+<Control xmlns="http://schemas.microsoft.com/VisualStudio/2011/storyboarding/control">
+  <Id Name="System.Storyboarding.Common.SearchBox" Revision="1" Stencil="System.Storyboarding.Common" StencilVersion="0.1"/>
+</Control>
+</file>
+
+<file path=customXml/item23.xml><?xml version="1.0" encoding="utf-8"?>
+<Control xmlns="http://schemas.microsoft.com/VisualStudio/2011/storyboarding/control">
   <Id Name="366cd925-969f-44e1-b789-354cb31b0dfd" RevisionId="87c5073a-f3d6-4c7e-a7b7-c9586eacad3b" Stencil="172d6d98-e5c9-42e9-a209-79f7a94bbd38" StencilRevisionId="00000000-0000-0000-0000-000000000000" StencilVersion="0.0"/>
 </Control>
 </file>
 
-<file path=customXml/item21.xml><?xml version="1.0" encoding="utf-8"?>
+<file path=customXml/item24.xml><?xml version="1.0" encoding="utf-8"?>
 <Control xmlns="http://schemas.microsoft.com/VisualStudio/2011/storyboarding/control">
-  <Id Name="System.Storyboarding.Common.TabGroup" Revision="1" Stencil="System.Storyboarding.Common" StencilVersion="0.1"/>
+  <Id Name="System.Storyboarding.Common.SearchBox" Revision="1" Stencil="System.Storyboarding.Common" StencilVersion="0.1"/>
 </Control>
 </file>
 
-<file path=customXml/item22.xml><?xml version="1.0" encoding="utf-8"?>
+<file path=customXml/item25.xml><?xml version="1.0" encoding="utf-8"?>
+<Control xmlns="http://schemas.microsoft.com/VisualStudio/2011/storyboarding/control">
+  <Id Name="9d9c56e0-6ca3-4298-b757-9c73dab947ac" RevisionId="993ea365-49c2-46dc-bf14-e971e460de1e" Stencil="172d6d98-e5c9-42e9-a209-79f7a94bbd38" StencilRevisionId="00000000-0000-0000-0000-000000000000" StencilVersion="0.0"/>
+</Control>
+</file>
+
+<file path=customXml/item26.xml><?xml version="1.0" encoding="utf-8"?>
+<Control xmlns="http://schemas.microsoft.com/VisualStudio/2011/storyboarding/control">
+  <Id Name="600d61f4-2d09-42e6-a6db-83e260e051ae" RevisionId="3c9eb7e9-0ea7-4fb5-adc7-dcc81ff0fb36" Stencil="172d6d98-e5c9-42e9-a209-79f7a94bbd38" StencilRevisionId="00000000-0000-0000-0000-000000000000" StencilVersion="0.0"/>
+</Control>
+</file>
+
+<file path=customXml/item27.xml><?xml version="1.0" encoding="utf-8"?>
+<Control xmlns="http://schemas.microsoft.com/VisualStudio/2011/storyboarding/control">
+  <Id Name="366cd925-969f-44e1-b789-354cb31b0dfd" RevisionId="87c5073a-f3d6-4c7e-a7b7-c9586eacad3b" Stencil="172d6d98-e5c9-42e9-a209-79f7a94bbd38" StencilRevisionId="00000000-0000-0000-0000-000000000000" StencilVersion="0.0"/>
+</Control>
+</file>
+
+<file path=customXml/item28.xml><?xml version="1.0" encoding="utf-8"?>
 <Control xmlns="http://schemas.microsoft.com/VisualStudio/2011/storyboarding/control">
   <Id Name="System.Storyboarding.Common.Button" Revision="1" Stencil="System.Storyboarding.Common" StencilVersion="0.1"/>
 </Control>
 </file>
 
-<file path=customXml/item23.xml><?xml version="1.0" encoding="utf-8"?>
-<Control xmlns="http://schemas.microsoft.com/VisualStudio/2011/storyboarding/control">
-  <Id Name="System.Storyboarding.Common.Button" Revision="1" Stencil="System.Storyboarding.Common" StencilVersion="0.1"/>
-</Control>
-</file>
-
-<file path=customXml/item24.xml><?xml version="1.0" encoding="utf-8"?>
-<Control xmlns="http://schemas.microsoft.com/VisualStudio/2011/storyboarding/control">
-  <Id Name="System.Storyboarding.Common.Text" Revision="1" Stencil="System.Storyboarding.Common" StencilVersion="0.1"/>
-</Control>
-</file>
-
-<file path=customXml/item25.xml><?xml version="1.0" encoding="utf-8"?>
-<Control xmlns="http://schemas.microsoft.com/VisualStudio/2011/storyboarding/control">
-  <Id Name="System.Storyboarding.Common.Button" Revision="1" Stencil="System.Storyboarding.Common" StencilVersion="0.1"/>
-</Control>
-</file>
-
-<file path=customXml/item26.xml><?xml version="1.0" encoding="utf-8"?>
-<Control xmlns="http://schemas.microsoft.com/VisualStudio/2011/storyboarding/control">
-  <Id Name="System.Storyboarding.Common.Button" Revision="1" Stencil="System.Storyboarding.Common" StencilVersion="0.1"/>
-</Control>
-</file>
-
-<file path=customXml/item27.xml><?xml version="1.0" encoding="utf-8"?>
-<Control xmlns="http://schemas.microsoft.com/VisualStudio/2011/storyboarding/control">
-  <Id Name="System.Storyboarding.Common.Button" Revision="1" Stencil="System.Storyboarding.Common" StencilVersion="0.1"/>
-</Control>
-</file>
-
-<file path=customXml/item28.xml><?xml version="1.0" encoding="utf-8"?>
-<Control xmlns="http://schemas.microsoft.com/VisualStudio/2011/storyboarding/control">
-  <Id Name="System.Storyboarding.Common.Text" Revision="1" Stencil="System.Storyboarding.Common" StencilVersion="0.1"/>
-</Control>
-</file>
-
 <file path=customXml/item29.xml><?xml version="1.0" encoding="utf-8"?>
 <Control xmlns="http://schemas.microsoft.com/VisualStudio/2011/storyboarding/control">
-  <Id Name="System.Storyboarding.Common.Text" Revision="1" Stencil="System.Storyboarding.Common" StencilVersion="0.1"/>
+  <Id Name="System.Storyboarding.Common.TextInput" Revision="1" Stencil="System.Storyboarding.Common" StencilVersion="0.1"/>
 </Control>
 </file>
 
 <file path=customXml/item3.xml><?xml version="1.0" encoding="utf-8"?>
 <Control xmlns="http://schemas.microsoft.com/VisualStudio/2011/storyboarding/control">
-  <Id Name="9d9c56e0-6ca3-4298-b757-9c73dab947ac" RevisionId="993ea365-49c2-46dc-bf14-e971e460de1e" Stencil="172d6d98-e5c9-42e9-a209-79f7a94bbd38" StencilRevisionId="00000000-0000-0000-0000-000000000000" StencilVersion="0.0"/>
+  <Id Name="600d61f4-2d09-42e6-a6db-83e260e051ae" RevisionId="3c9eb7e9-0ea7-4fb5-adc7-dcc81ff0fb36" Stencil="172d6d98-e5c9-42e9-a209-79f7a94bbd38" StencilRevisionId="00000000-0000-0000-0000-000000000000" StencilVersion="0.0"/>
 </Control>
 </file>
 
 <file path=customXml/item30.xml><?xml version="1.0" encoding="utf-8"?>
 <Control xmlns="http://schemas.microsoft.com/VisualStudio/2011/storyboarding/control">
-  <Id Name="System.Storyboarding.Common.Text" Revision="1" Stencil="System.Storyboarding.Common" StencilVersion="0.1"/>
+  <Id Name="System.Storyboarding.Common.SearchBox" Revision="1" Stencil="System.Storyboarding.Common" StencilVersion="0.1"/>
 </Control>
 </file>
 
@@ -11521,61 +11511,61 @@
 
 <file path=customXml/item32.xml><?xml version="1.0" encoding="utf-8"?>
 <Control xmlns="http://schemas.microsoft.com/VisualStudio/2011/storyboarding/control">
-  <Id Name="System.Storyboarding.Common.Text" Revision="1" Stencil="System.Storyboarding.Common" StencilVersion="0.1"/>
+  <Id Name="366cd925-969f-44e1-b789-354cb31b0dfd" RevisionId="87c5073a-f3d6-4c7e-a7b7-c9586eacad3b" Stencil="172d6d98-e5c9-42e9-a209-79f7a94bbd38" StencilRevisionId="00000000-0000-0000-0000-000000000000" StencilVersion="0.0"/>
 </Control>
 </file>
 
 <file path=customXml/item33.xml><?xml version="1.0" encoding="utf-8"?>
-<Control xmlns="http://schemas.microsoft.com/VisualStudio/2011/storyboarding/control">
-  <Id Name="System.Storyboarding.Common.TextInput" Revision="1" Stencil="System.Storyboarding.Common" StencilVersion="0.1"/>
-</Control>
-</file>
-
-<file path=customXml/item34.xml><?xml version="1.0" encoding="utf-8"?>
 <Control xmlns="http://schemas.microsoft.com/VisualStudio/2011/storyboarding/control">
   <Id Name="System.Storyboarding.Common.SearchBox" Revision="1" Stencil="System.Storyboarding.Common" StencilVersion="0.1"/>
 </Control>
 </file>
 
-<file path=customXml/item35.xml><?xml version="1.0" encoding="utf-8"?>
+<file path=customXml/item34.xml><?xml version="1.0" encoding="utf-8"?>
 <Control xmlns="http://schemas.microsoft.com/VisualStudio/2011/storyboarding/control">
   <Id Name="System.Storyboarding.Common.DropdownBox" Revision="1" Stencil="System.Storyboarding.Common" StencilVersion="0.1"/>
 </Control>
 </file>
 
+<file path=customXml/item35.xml><?xml version="1.0" encoding="utf-8"?>
+<Control xmlns="http://schemas.microsoft.com/VisualStudio/2011/storyboarding/control">
+  <Id Name="366cd925-969f-44e1-b789-354cb31b0dfd" RevisionId="87c5073a-f3d6-4c7e-a7b7-c9586eacad3b" Stencil="172d6d98-e5c9-42e9-a209-79f7a94bbd38" StencilRevisionId="00000000-0000-0000-0000-000000000000" StencilVersion="0.0"/>
+</Control>
+</file>
+
 <file path=customXml/item36.xml><?xml version="1.0" encoding="utf-8"?>
 <Control xmlns="http://schemas.microsoft.com/VisualStudio/2011/storyboarding/control">
-  <Id Name="System.Storyboarding.Common.SearchBox" Revision="1" Stencil="System.Storyboarding.Common" StencilVersion="0.1"/>
+  <Id Name="366cd925-969f-44e1-b789-354cb31b0dfd" RevisionId="87c5073a-f3d6-4c7e-a7b7-c9586eacad3b" Stencil="172d6d98-e5c9-42e9-a209-79f7a94bbd38" StencilRevisionId="00000000-0000-0000-0000-000000000000" StencilVersion="0.0"/>
 </Control>
 </file>
 
 <file path=customXml/item37.xml><?xml version="1.0" encoding="utf-8"?>
 <Control xmlns="http://schemas.microsoft.com/VisualStudio/2011/storyboarding/control">
-  <Id Name="System.Storyboarding.Common.DropdownBox" Revision="1" Stencil="System.Storyboarding.Common" StencilVersion="0.1"/>
+  <Id Name="9d9c56e0-6ca3-4298-b757-9c73dab947ac" RevisionId="993ea365-49c2-46dc-bf14-e971e460de1e" Stencil="172d6d98-e5c9-42e9-a209-79f7a94bbd38" StencilRevisionId="00000000-0000-0000-0000-000000000000" StencilVersion="0.0"/>
 </Control>
 </file>
 
 <file path=customXml/item38.xml><?xml version="1.0" encoding="utf-8"?>
 <Control xmlns="http://schemas.microsoft.com/VisualStudio/2011/storyboarding/control">
-  <Id Name="System.Storyboarding.Common.SearchBox" Revision="1" Stencil="System.Storyboarding.Common" StencilVersion="0.1"/>
+  <Id Name="System.Storyboarding.Common.Button" Revision="1" Stencil="System.Storyboarding.Common" StencilVersion="0.1"/>
 </Control>
 </file>
 
 <file path=customXml/item39.xml><?xml version="1.0" encoding="utf-8"?>
 <Control xmlns="http://schemas.microsoft.com/VisualStudio/2011/storyboarding/control">
-  <Id Name="System.Storyboarding.Common.DropdownBox" Revision="1" Stencil="System.Storyboarding.Common" StencilVersion="0.1"/>
+  <Id Name="System.Storyboarding.Common.Text" Revision="1" Stencil="System.Storyboarding.Common" StencilVersion="0.1"/>
 </Control>
 </file>
 
 <file path=customXml/item4.xml><?xml version="1.0" encoding="utf-8"?>
 <Control xmlns="http://schemas.microsoft.com/VisualStudio/2011/storyboarding/control">
-  <Id Name="600d61f4-2d09-42e6-a6db-83e260e051ae" RevisionId="3c9eb7e9-0ea7-4fb5-adc7-dcc81ff0fb36" Stencil="172d6d98-e5c9-42e9-a209-79f7a94bbd38" StencilRevisionId="00000000-0000-0000-0000-000000000000" StencilVersion="0.0"/>
+  <Id Name="9d9c56e0-6ca3-4298-b757-9c73dab947ac" RevisionId="993ea365-49c2-46dc-bf14-e971e460de1e" Stencil="172d6d98-e5c9-42e9-a209-79f7a94bbd38" StencilRevisionId="00000000-0000-0000-0000-000000000000" StencilVersion="0.0"/>
 </Control>
 </file>
 
 <file path=customXml/item40.xml><?xml version="1.0" encoding="utf-8"?>
 <Control xmlns="http://schemas.microsoft.com/VisualStudio/2011/storyboarding/control">
-  <Id Name="System.Storyboarding.Common.Text" Revision="1" Stencil="System.Storyboarding.Common" StencilVersion="0.1"/>
+  <Id Name="System.Storyboarding.Common.SearchBox" Revision="1" Stencil="System.Storyboarding.Common" StencilVersion="0.1"/>
 </Control>
 </file>
 
@@ -11593,7 +11583,7 @@
 
 <file path=customXml/item43.xml><?xml version="1.0" encoding="utf-8"?>
 <Control xmlns="http://schemas.microsoft.com/VisualStudio/2011/storyboarding/control">
-  <Id Name="System.Storyboarding.Common.Text" Revision="1" Stencil="System.Storyboarding.Common" StencilVersion="0.1"/>
+  <Id Name="366cd925-969f-44e1-b789-354cb31b0dfd" RevisionId="87c5073a-f3d6-4c7e-a7b7-c9586eacad3b" Stencil="172d6d98-e5c9-42e9-a209-79f7a94bbd38" StencilRevisionId="00000000-0000-0000-0000-000000000000" StencilVersion="0.0"/>
 </Control>
 </file>
 
@@ -11611,73 +11601,73 @@
 
 <file path=customXml/item46.xml><?xml version="1.0" encoding="utf-8"?>
 <Control xmlns="http://schemas.microsoft.com/VisualStudio/2011/storyboarding/control">
-  <Id Name="System.Storyboarding.Common.Text" Revision="1" Stencil="System.Storyboarding.Common" StencilVersion="0.1"/>
+  <Id Name="System.Storyboarding.Common.DropdownBox" Revision="1" Stencil="System.Storyboarding.Common" StencilVersion="0.1"/>
 </Control>
 </file>
 
 <file path=customXml/item47.xml><?xml version="1.0" encoding="utf-8"?>
+<Control xmlns="http://schemas.microsoft.com/VisualStudio/2011/storyboarding/control">
+  <Id Name="600d61f4-2d09-42e6-a6db-83e260e051ae" RevisionId="3c9eb7e9-0ea7-4fb5-adc7-dcc81ff0fb36" Stencil="172d6d98-e5c9-42e9-a209-79f7a94bbd38" StencilRevisionId="00000000-0000-0000-0000-000000000000" StencilVersion="0.0"/>
+</Control>
+</file>
+
+<file path=customXml/item48.xml><?xml version="1.0" encoding="utf-8"?>
+<Control xmlns="http://schemas.microsoft.com/VisualStudio/2011/storyboarding/control">
+  <Id Name="366cd925-969f-44e1-b789-354cb31b0dfd" RevisionId="87c5073a-f3d6-4c7e-a7b7-c9586eacad3b" Stencil="172d6d98-e5c9-42e9-a209-79f7a94bbd38" StencilRevisionId="00000000-0000-0000-0000-000000000000" StencilVersion="0.0"/>
+</Control>
+</file>
+
+<file path=customXml/item49.xml><?xml version="1.0" encoding="utf-8"?>
+<Control xmlns="http://schemas.microsoft.com/VisualStudio/2011/storyboarding/control">
+  <Id Name="366cd925-969f-44e1-b789-354cb31b0dfd" RevisionId="87c5073a-f3d6-4c7e-a7b7-c9586eacad3b" Stencil="172d6d98-e5c9-42e9-a209-79f7a94bbd38" StencilRevisionId="00000000-0000-0000-0000-000000000000" StencilVersion="0.0"/>
+</Control>
+</file>
+
+<file path=customXml/item5.xml><?xml version="1.0" encoding="utf-8"?>
 <Control xmlns="http://schemas.microsoft.com/VisualStudio/2011/storyboarding/control">
   <Id Name="System.Storyboarding.Common.Text" Revision="1" Stencil="System.Storyboarding.Common" StencilVersion="0.1"/>
 </Control>
 </file>
 
-<file path=customXml/item48.xml><?xml version="1.0" encoding="utf-8"?>
+<file path=customXml/item50.xml><?xml version="1.0" encoding="utf-8"?>
 <Control xmlns="http://schemas.microsoft.com/VisualStudio/2011/storyboarding/control">
-  <Id Name="System.Storyboarding.Common.TextInput" Revision="1" Stencil="System.Storyboarding.Common" StencilVersion="0.1"/>
+  <Id Name="366cd925-969f-44e1-b789-354cb31b0dfd" RevisionId="87c5073a-f3d6-4c7e-a7b7-c9586eacad3b" Stencil="172d6d98-e5c9-42e9-a209-79f7a94bbd38" StencilRevisionId="00000000-0000-0000-0000-000000000000" StencilVersion="0.0"/>
 </Control>
 </file>
 
-<file path=customXml/item49.xml><?xml version="1.0" encoding="utf-8"?>
+<file path=customXml/item51.xml><?xml version="1.0" encoding="utf-8"?>
+<Control xmlns="http://schemas.microsoft.com/VisualStudio/2011/storyboarding/control">
+  <Id Name="System.Storyboarding.Common.DropdownBox" Revision="1" Stencil="System.Storyboarding.Common" StencilVersion="0.1"/>
+</Control>
+</file>
+
+<file path=customXml/item52.xml><?xml version="1.0" encoding="utf-8"?>
+<Control xmlns="http://schemas.microsoft.com/VisualStudio/2011/storyboarding/control">
+  <Id Name="System.Storyboarding.Common.Button" Revision="1" Stencil="System.Storyboarding.Common" StencilVersion="0.1"/>
+</Control>
+</file>
+
+<file path=customXml/item53.xml><?xml version="1.0" encoding="utf-8"?>
+<Control xmlns="http://schemas.microsoft.com/VisualStudio/2011/storyboarding/control">
+  <Id Name="System.Storyboarding.Common.TabGroup" Revision="1" Stencil="System.Storyboarding.Common" StencilVersion="0.1"/>
+</Control>
+</file>
+
+<file path=customXml/item54.xml><?xml version="1.0" encoding="utf-8"?>
 <Control xmlns="http://schemas.microsoft.com/VisualStudio/2011/storyboarding/control">
   <Id Name="System.Storyboarding.Common.SearchBox" Revision="1" Stencil="System.Storyboarding.Common" StencilVersion="0.1"/>
 </Control>
 </file>
 
-<file path=customXml/item5.xml><?xml version="1.0" encoding="utf-8"?>
-<Control xmlns="http://schemas.microsoft.com/VisualStudio/2011/storyboarding/control">
-  <Id Name="366cd925-969f-44e1-b789-354cb31b0dfd" RevisionId="87c5073a-f3d6-4c7e-a7b7-c9586eacad3b" Stencil="172d6d98-e5c9-42e9-a209-79f7a94bbd38" StencilRevisionId="00000000-0000-0000-0000-000000000000" StencilVersion="0.0"/>
-</Control>
-</file>
-
-<file path=customXml/item50.xml><?xml version="1.0" encoding="utf-8"?>
+<file path=customXml/item55.xml><?xml version="1.0" encoding="utf-8"?>
 <Control xmlns="http://schemas.microsoft.com/VisualStudio/2011/storyboarding/control">
   <Id Name="System.Storyboarding.Common.DropdownBox" Revision="1" Stencil="System.Storyboarding.Common" StencilVersion="0.1"/>
 </Control>
 </file>
 
-<file path=customXml/item51.xml><?xml version="1.0" encoding="utf-8"?>
-<Control xmlns="http://schemas.microsoft.com/VisualStudio/2011/storyboarding/control">
-  <Id Name="System.Storyboarding.Common.SearchBox" Revision="1" Stencil="System.Storyboarding.Common" StencilVersion="0.1"/>
-</Control>
-</file>
-
-<file path=customXml/item52.xml><?xml version="1.0" encoding="utf-8"?>
-<Control xmlns="http://schemas.microsoft.com/VisualStudio/2011/storyboarding/control">
-  <Id Name="System.Storyboarding.Common.DropdownBox" Revision="1" Stencil="System.Storyboarding.Common" StencilVersion="0.1"/>
-</Control>
-</file>
-
-<file path=customXml/item53.xml><?xml version="1.0" encoding="utf-8"?>
-<Control xmlns="http://schemas.microsoft.com/VisualStudio/2011/storyboarding/control">
-  <Id Name="System.Storyboarding.Common.SearchBox" Revision="1" Stencil="System.Storyboarding.Common" StencilVersion="0.1"/>
-</Control>
-</file>
-
-<file path=customXml/item54.xml><?xml version="1.0" encoding="utf-8"?>
-<Control xmlns="http://schemas.microsoft.com/VisualStudio/2011/storyboarding/control">
-  <Id Name="System.Storyboarding.Common.DropdownBox" Revision="1" Stencil="System.Storyboarding.Common" StencilVersion="0.1"/>
-</Control>
-</file>
-
-<file path=customXml/item55.xml><?xml version="1.0" encoding="utf-8"?>
+<file path=customXml/item56.xml><?xml version="1.0" encoding="utf-8"?>
 <Control xmlns="http://schemas.microsoft.com/VisualStudio/2011/storyboarding/control">
   <Id Name="System.Storyboarding.Common.Text" Revision="1" Stencil="System.Storyboarding.Common" StencilVersion="0.1"/>
-</Control>
-</file>
-
-<file path=customXml/item56.xml><?xml version="1.0" encoding="utf-8"?>
-<Control xmlns="http://schemas.microsoft.com/VisualStudio/2011/storyboarding/control">
-  <Id Name="System.Storyboarding.Common.SearchBox" Revision="1" Stencil="System.Storyboarding.Common" StencilVersion="0.1"/>
 </Control>
 </file>
 
@@ -11687,31 +11677,261 @@
 </Control>
 </file>
 
+<file path=customXml/item58.xml><?xml version="1.0" encoding="utf-8"?>
+<Control xmlns="http://schemas.microsoft.com/VisualStudio/2011/storyboarding/control">
+  <Id Name="System.Storyboarding.Common.Button" Revision="1" Stencil="System.Storyboarding.Common" StencilVersion="0.1"/>
+</Control>
+</file>
+
 <file path=customXml/item6.xml><?xml version="1.0" encoding="utf-8"?>
 <Control xmlns="http://schemas.microsoft.com/VisualStudio/2011/storyboarding/control">
-  <Id Name="366cd925-969f-44e1-b789-354cb31b0dfd" RevisionId="87c5073a-f3d6-4c7e-a7b7-c9586eacad3b" Stencil="172d6d98-e5c9-42e9-a209-79f7a94bbd38" StencilRevisionId="00000000-0000-0000-0000-000000000000" StencilVersion="0.0"/>
+  <Id Name="9d9c56e0-6ca3-4298-b757-9c73dab947ac" RevisionId="993ea365-49c2-46dc-bf14-e971e460de1e" Stencil="172d6d98-e5c9-42e9-a209-79f7a94bbd38" StencilRevisionId="00000000-0000-0000-0000-000000000000" StencilVersion="0.0"/>
 </Control>
 </file>
 
 <file path=customXml/item7.xml><?xml version="1.0" encoding="utf-8"?>
 <Control xmlns="http://schemas.microsoft.com/VisualStudio/2011/storyboarding/control">
-  <Id Name="600d61f4-2d09-42e6-a6db-83e260e051ae" RevisionId="3c9eb7e9-0ea7-4fb5-adc7-dcc81ff0fb36" Stencil="172d6d98-e5c9-42e9-a209-79f7a94bbd38" StencilRevisionId="00000000-0000-0000-0000-000000000000" StencilVersion="0.0"/>
+  <Id Name="System.Storyboarding.Common.Text" Revision="1" Stencil="System.Storyboarding.Common" StencilVersion="0.1"/>
 </Control>
 </file>
 
 <file path=customXml/item8.xml><?xml version="1.0" encoding="utf-8"?>
 <Control xmlns="http://schemas.microsoft.com/VisualStudio/2011/storyboarding/control">
-  <Id Name="366cd925-969f-44e1-b789-354cb31b0dfd" RevisionId="87c5073a-f3d6-4c7e-a7b7-c9586eacad3b" Stencil="172d6d98-e5c9-42e9-a209-79f7a94bbd38" StencilRevisionId="00000000-0000-0000-0000-000000000000" StencilVersion="0.0"/>
+  <Id Name="System.Storyboarding.Common.Text" Revision="1" Stencil="System.Storyboarding.Common" StencilVersion="0.1"/>
 </Control>
 </file>
 
 <file path=customXml/item9.xml><?xml version="1.0" encoding="utf-8"?>
 <Control xmlns="http://schemas.microsoft.com/VisualStudio/2011/storyboarding/control">
-  <Id Name="366cd925-969f-44e1-b789-354cb31b0dfd" RevisionId="87c5073a-f3d6-4c7e-a7b7-c9586eacad3b" Stencil="172d6d98-e5c9-42e9-a209-79f7a94bbd38" StencilRevisionId="00000000-0000-0000-0000-000000000000" StencilVersion="0.0"/>
+  <Id Name="System.Storyboarding.Common.DropdownBox" Revision="1" Stencil="System.Storyboarding.Common" StencilVersion="0.1"/>
 </Control>
 </file>
 
 <file path=customXml/itemProps1.xml><?xml version="1.0" encoding="utf-8"?>
+<ds:datastoreItem xmlns:ds="http://schemas.openxmlformats.org/officeDocument/2006/customXml" ds:itemID="{E49E94E7-B509-4B6D-AFCA-3C33B411DEDF}">
+  <ds:schemaRefs>
+    <ds:schemaRef ds:uri="http://schemas.microsoft.com/VisualStudio/2011/storyboarding/control"/>
+  </ds:schemaRefs>
+</ds:datastoreItem>
+</file>
+
+<file path=customXml/itemProps10.xml><?xml version="1.0" encoding="utf-8"?>
+<ds:datastoreItem xmlns:ds="http://schemas.openxmlformats.org/officeDocument/2006/customXml" ds:itemID="{DDC68E9E-9D6E-43C9-BC6C-E4841E3650FD}">
+  <ds:schemaRefs>
+    <ds:schemaRef ds:uri="http://schemas.microsoft.com/VisualStudio/2011/storyboarding/control"/>
+  </ds:schemaRefs>
+</ds:datastoreItem>
+</file>
+
+<file path=customXml/itemProps11.xml><?xml version="1.0" encoding="utf-8"?>
+<ds:datastoreItem xmlns:ds="http://schemas.openxmlformats.org/officeDocument/2006/customXml" ds:itemID="{A6199874-43B4-4C35-9B31-61E4226A608D}">
+  <ds:schemaRefs>
+    <ds:schemaRef ds:uri="http://schemas.microsoft.com/VisualStudio/2011/storyboarding/control"/>
+  </ds:schemaRefs>
+</ds:datastoreItem>
+</file>
+
+<file path=customXml/itemProps12.xml><?xml version="1.0" encoding="utf-8"?>
+<ds:datastoreItem xmlns:ds="http://schemas.openxmlformats.org/officeDocument/2006/customXml" ds:itemID="{5139CB1C-CC8F-41D1-A8A5-E569C73B0506}">
+  <ds:schemaRefs>
+    <ds:schemaRef ds:uri="http://schemas.microsoft.com/VisualStudio/2011/storyboarding/control"/>
+  </ds:schemaRefs>
+</ds:datastoreItem>
+</file>
+
+<file path=customXml/itemProps13.xml><?xml version="1.0" encoding="utf-8"?>
+<ds:datastoreItem xmlns:ds="http://schemas.openxmlformats.org/officeDocument/2006/customXml" ds:itemID="{57B0DE56-B157-4F1F-8315-CEB4C5B4CB76}">
+  <ds:schemaRefs>
+    <ds:schemaRef ds:uri="http://schemas.microsoft.com/VisualStudio/2011/storyboarding/control"/>
+  </ds:schemaRefs>
+</ds:datastoreItem>
+</file>
+
+<file path=customXml/itemProps14.xml><?xml version="1.0" encoding="utf-8"?>
+<ds:datastoreItem xmlns:ds="http://schemas.openxmlformats.org/officeDocument/2006/customXml" ds:itemID="{74A1524E-6161-4BD3-8F36-666CEFF2EB3B}">
+  <ds:schemaRefs>
+    <ds:schemaRef ds:uri="http://schemas.microsoft.com/VisualStudio/2011/storyboarding/control"/>
+  </ds:schemaRefs>
+</ds:datastoreItem>
+</file>
+
+<file path=customXml/itemProps15.xml><?xml version="1.0" encoding="utf-8"?>
+<ds:datastoreItem xmlns:ds="http://schemas.openxmlformats.org/officeDocument/2006/customXml" ds:itemID="{97338CE5-9B75-42C3-8BA4-12D084FDEFC5}">
+  <ds:schemaRefs>
+    <ds:schemaRef ds:uri="http://schemas.microsoft.com/VisualStudio/2011/storyboarding/control"/>
+  </ds:schemaRefs>
+</ds:datastoreItem>
+</file>
+
+<file path=customXml/itemProps16.xml><?xml version="1.0" encoding="utf-8"?>
+<ds:datastoreItem xmlns:ds="http://schemas.openxmlformats.org/officeDocument/2006/customXml" ds:itemID="{0817D47E-EEE1-42BF-8271-60D161907793}">
+  <ds:schemaRefs>
+    <ds:schemaRef ds:uri="http://schemas.microsoft.com/VisualStudio/2011/storyboarding/control"/>
+  </ds:schemaRefs>
+</ds:datastoreItem>
+</file>
+
+<file path=customXml/itemProps17.xml><?xml version="1.0" encoding="utf-8"?>
+<ds:datastoreItem xmlns:ds="http://schemas.openxmlformats.org/officeDocument/2006/customXml" ds:itemID="{6A729775-A06C-4391-A3AE-CA9CCDD7379E}">
+  <ds:schemaRefs>
+    <ds:schemaRef ds:uri="http://schemas.microsoft.com/VisualStudio/2011/storyboarding/control"/>
+  </ds:schemaRefs>
+</ds:datastoreItem>
+</file>
+
+<file path=customXml/itemProps18.xml><?xml version="1.0" encoding="utf-8"?>
+<ds:datastoreItem xmlns:ds="http://schemas.openxmlformats.org/officeDocument/2006/customXml" ds:itemID="{47EDB819-8FCA-44E9-8EF7-D4D7632661C1}">
+  <ds:schemaRefs>
+    <ds:schemaRef ds:uri="http://schemas.microsoft.com/VisualStudio/2011/storyboarding/control"/>
+  </ds:schemaRefs>
+</ds:datastoreItem>
+</file>
+
+<file path=customXml/itemProps19.xml><?xml version="1.0" encoding="utf-8"?>
+<ds:datastoreItem xmlns:ds="http://schemas.openxmlformats.org/officeDocument/2006/customXml" ds:itemID="{C49B51B7-20C1-4683-B6BE-B636777089C1}">
+  <ds:schemaRefs>
+    <ds:schemaRef ds:uri="http://schemas.microsoft.com/VisualStudio/2011/storyboarding/control"/>
+  </ds:schemaRefs>
+</ds:datastoreItem>
+</file>
+
+<file path=customXml/itemProps2.xml><?xml version="1.0" encoding="utf-8"?>
+<ds:datastoreItem xmlns:ds="http://schemas.openxmlformats.org/officeDocument/2006/customXml" ds:itemID="{56D5384C-6887-4784-B35F-6BA21D5C067C}">
+  <ds:schemaRefs>
+    <ds:schemaRef ds:uri="http://schemas.microsoft.com/VisualStudio/2011/storyboarding/control"/>
+  </ds:schemaRefs>
+</ds:datastoreItem>
+</file>
+
+<file path=customXml/itemProps20.xml><?xml version="1.0" encoding="utf-8"?>
+<ds:datastoreItem xmlns:ds="http://schemas.openxmlformats.org/officeDocument/2006/customXml" ds:itemID="{9F1BFE6A-744B-4BF8-8014-B46353988C17}">
+  <ds:schemaRefs>
+    <ds:schemaRef ds:uri="http://schemas.microsoft.com/VisualStudio/2011/storyboarding/control"/>
+  </ds:schemaRefs>
+</ds:datastoreItem>
+</file>
+
+<file path=customXml/itemProps21.xml><?xml version="1.0" encoding="utf-8"?>
+<ds:datastoreItem xmlns:ds="http://schemas.openxmlformats.org/officeDocument/2006/customXml" ds:itemID="{E0F4C8D3-D23B-4056-A4C2-255DF2521DD5}">
+  <ds:schemaRefs>
+    <ds:schemaRef ds:uri="http://schemas.microsoft.com/VisualStudio/2011/storyboarding/control"/>
+  </ds:schemaRefs>
+</ds:datastoreItem>
+</file>
+
+<file path=customXml/itemProps22.xml><?xml version="1.0" encoding="utf-8"?>
+<ds:datastoreItem xmlns:ds="http://schemas.openxmlformats.org/officeDocument/2006/customXml" ds:itemID="{94C94671-2EB5-4A26-853E-A0BD3DE24991}">
+  <ds:schemaRefs>
+    <ds:schemaRef ds:uri="http://schemas.microsoft.com/VisualStudio/2011/storyboarding/control"/>
+  </ds:schemaRefs>
+</ds:datastoreItem>
+</file>
+
+<file path=customXml/itemProps23.xml><?xml version="1.0" encoding="utf-8"?>
+<ds:datastoreItem xmlns:ds="http://schemas.openxmlformats.org/officeDocument/2006/customXml" ds:itemID="{AD02BD6A-65CC-468F-A23E-D6BFD148AB99}">
+  <ds:schemaRefs>
+    <ds:schemaRef ds:uri="http://schemas.microsoft.com/VisualStudio/2011/storyboarding/control"/>
+  </ds:schemaRefs>
+</ds:datastoreItem>
+</file>
+
+<file path=customXml/itemProps24.xml><?xml version="1.0" encoding="utf-8"?>
+<ds:datastoreItem xmlns:ds="http://schemas.openxmlformats.org/officeDocument/2006/customXml" ds:itemID="{E0F0699E-518E-4A26-AC64-533DB22087D6}">
+  <ds:schemaRefs>
+    <ds:schemaRef ds:uri="http://schemas.microsoft.com/VisualStudio/2011/storyboarding/control"/>
+  </ds:schemaRefs>
+</ds:datastoreItem>
+</file>
+
+<file path=customXml/itemProps25.xml><?xml version="1.0" encoding="utf-8"?>
+<ds:datastoreItem xmlns:ds="http://schemas.openxmlformats.org/officeDocument/2006/customXml" ds:itemID="{817CE946-86E3-495C-AE43-4406EE862C46}">
+  <ds:schemaRefs>
+    <ds:schemaRef ds:uri="http://schemas.microsoft.com/VisualStudio/2011/storyboarding/control"/>
+  </ds:schemaRefs>
+</ds:datastoreItem>
+</file>
+
+<file path=customXml/itemProps26.xml><?xml version="1.0" encoding="utf-8"?>
+<ds:datastoreItem xmlns:ds="http://schemas.openxmlformats.org/officeDocument/2006/customXml" ds:itemID="{FB73D5EE-2530-4108-804E-BC9762641E83}">
+  <ds:schemaRefs>
+    <ds:schemaRef ds:uri="http://schemas.microsoft.com/VisualStudio/2011/storyboarding/control"/>
+  </ds:schemaRefs>
+</ds:datastoreItem>
+</file>
+
+<file path=customXml/itemProps27.xml><?xml version="1.0" encoding="utf-8"?>
+<ds:datastoreItem xmlns:ds="http://schemas.openxmlformats.org/officeDocument/2006/customXml" ds:itemID="{DA4BCA12-5CFD-4AB9-B74F-58FA697CAC9F}">
+  <ds:schemaRefs>
+    <ds:schemaRef ds:uri="http://schemas.microsoft.com/VisualStudio/2011/storyboarding/control"/>
+  </ds:schemaRefs>
+</ds:datastoreItem>
+</file>
+
+<file path=customXml/itemProps28.xml><?xml version="1.0" encoding="utf-8"?>
+<ds:datastoreItem xmlns:ds="http://schemas.openxmlformats.org/officeDocument/2006/customXml" ds:itemID="{049256AF-E688-4839-B45B-F67E76EC06AD}">
+  <ds:schemaRefs>
+    <ds:schemaRef ds:uri="http://schemas.microsoft.com/VisualStudio/2011/storyboarding/control"/>
+  </ds:schemaRefs>
+</ds:datastoreItem>
+</file>
+
+<file path=customXml/itemProps29.xml><?xml version="1.0" encoding="utf-8"?>
+<ds:datastoreItem xmlns:ds="http://schemas.openxmlformats.org/officeDocument/2006/customXml" ds:itemID="{B3929AEB-8E38-474C-AEB3-1D78D84E5734}">
+  <ds:schemaRefs>
+    <ds:schemaRef ds:uri="http://schemas.microsoft.com/VisualStudio/2011/storyboarding/control"/>
+  </ds:schemaRefs>
+</ds:datastoreItem>
+</file>
+
+<file path=customXml/itemProps3.xml><?xml version="1.0" encoding="utf-8"?>
+<ds:datastoreItem xmlns:ds="http://schemas.openxmlformats.org/officeDocument/2006/customXml" ds:itemID="{B4F81F4E-8DE9-4EE7-B97E-FEFEB5665977}">
+  <ds:schemaRefs>
+    <ds:schemaRef ds:uri="http://schemas.microsoft.com/VisualStudio/2011/storyboarding/control"/>
+  </ds:schemaRefs>
+</ds:datastoreItem>
+</file>
+
+<file path=customXml/itemProps30.xml><?xml version="1.0" encoding="utf-8"?>
+<ds:datastoreItem xmlns:ds="http://schemas.openxmlformats.org/officeDocument/2006/customXml" ds:itemID="{F5DA5D27-0813-4424-82B8-B5A9A5CFF736}">
+  <ds:schemaRefs>
+    <ds:schemaRef ds:uri="http://schemas.microsoft.com/VisualStudio/2011/storyboarding/control"/>
+  </ds:schemaRefs>
+</ds:datastoreItem>
+</file>
+
+<file path=customXml/itemProps31.xml><?xml version="1.0" encoding="utf-8"?>
+<ds:datastoreItem xmlns:ds="http://schemas.openxmlformats.org/officeDocument/2006/customXml" ds:itemID="{1502BA2F-7B4C-4541-A01D-7AB4F3466F50}">
+  <ds:schemaRefs>
+    <ds:schemaRef ds:uri="http://schemas.microsoft.com/VisualStudio/2011/storyboarding/control"/>
+  </ds:schemaRefs>
+</ds:datastoreItem>
+</file>
+
+<file path=customXml/itemProps32.xml><?xml version="1.0" encoding="utf-8"?>
+<ds:datastoreItem xmlns:ds="http://schemas.openxmlformats.org/officeDocument/2006/customXml" ds:itemID="{9CC7DA74-F89F-4639-A5D6-AD7DE787043A}">
+  <ds:schemaRefs>
+    <ds:schemaRef ds:uri="http://schemas.microsoft.com/VisualStudio/2011/storyboarding/control"/>
+  </ds:schemaRefs>
+</ds:datastoreItem>
+</file>
+
+<file path=customXml/itemProps33.xml><?xml version="1.0" encoding="utf-8"?>
+<ds:datastoreItem xmlns:ds="http://schemas.openxmlformats.org/officeDocument/2006/customXml" ds:itemID="{0A8E9D5E-4C00-4D5F-809A-AF0293EF13B8}">
+  <ds:schemaRefs>
+    <ds:schemaRef ds:uri="http://schemas.microsoft.com/VisualStudio/2011/storyboarding/control"/>
+  </ds:schemaRefs>
+</ds:datastoreItem>
+</file>
+
+<file path=customXml/itemProps34.xml><?xml version="1.0" encoding="utf-8"?>
+<ds:datastoreItem xmlns:ds="http://schemas.openxmlformats.org/officeDocument/2006/customXml" ds:itemID="{57E12EB0-CE6A-47DF-B8E4-7C3BEF67DE33}">
+  <ds:schemaRefs>
+    <ds:schemaRef ds:uri="http://schemas.microsoft.com/VisualStudio/2011/storyboarding/control"/>
+  </ds:schemaRefs>
+</ds:datastoreItem>
+</file>
+
+<file path=customXml/itemProps35.xml><?xml version="1.0" encoding="utf-8"?>
 <ds:datastoreItem xmlns:ds="http://schemas.openxmlformats.org/officeDocument/2006/customXml" ds:itemID="{D58CACB2-FB3A-421C-AF31-9174983CFE8D}">
   <ds:schemaRefs>
     <ds:schemaRef ds:uri="http://schemas.microsoft.com/VisualStudio/2011/storyboarding/control"/>
@@ -11719,7 +11939,71 @@
 </ds:datastoreItem>
 </file>
 
-<file path=customXml/itemProps10.xml><?xml version="1.0" encoding="utf-8"?>
+<file path=customXml/itemProps36.xml><?xml version="1.0" encoding="utf-8"?>
+<ds:datastoreItem xmlns:ds="http://schemas.openxmlformats.org/officeDocument/2006/customXml" ds:itemID="{9CC3E510-5295-4040-A208-F30900E0A23A}">
+  <ds:schemaRefs>
+    <ds:schemaRef ds:uri="http://schemas.microsoft.com/VisualStudio/2011/storyboarding/control"/>
+  </ds:schemaRefs>
+</ds:datastoreItem>
+</file>
+
+<file path=customXml/itemProps37.xml><?xml version="1.0" encoding="utf-8"?>
+<ds:datastoreItem xmlns:ds="http://schemas.openxmlformats.org/officeDocument/2006/customXml" ds:itemID="{BA804EEF-5790-4E01-B667-ECB62CFB3737}">
+  <ds:schemaRefs>
+    <ds:schemaRef ds:uri="http://schemas.microsoft.com/VisualStudio/2011/storyboarding/control"/>
+  </ds:schemaRefs>
+</ds:datastoreItem>
+</file>
+
+<file path=customXml/itemProps38.xml><?xml version="1.0" encoding="utf-8"?>
+<ds:datastoreItem xmlns:ds="http://schemas.openxmlformats.org/officeDocument/2006/customXml" ds:itemID="{18FFF6CA-C8BB-4305-A319-E5FA5E80595C}">
+  <ds:schemaRefs>
+    <ds:schemaRef ds:uri="http://schemas.microsoft.com/VisualStudio/2011/storyboarding/control"/>
+  </ds:schemaRefs>
+</ds:datastoreItem>
+</file>
+
+<file path=customXml/itemProps39.xml><?xml version="1.0" encoding="utf-8"?>
+<ds:datastoreItem xmlns:ds="http://schemas.openxmlformats.org/officeDocument/2006/customXml" ds:itemID="{57A8431B-3DC2-4EFD-B22D-FCFA6A211D1D}">
+  <ds:schemaRefs>
+    <ds:schemaRef ds:uri="http://schemas.microsoft.com/VisualStudio/2011/storyboarding/control"/>
+  </ds:schemaRefs>
+</ds:datastoreItem>
+</file>
+
+<file path=customXml/itemProps4.xml><?xml version="1.0" encoding="utf-8"?>
+<ds:datastoreItem xmlns:ds="http://schemas.openxmlformats.org/officeDocument/2006/customXml" ds:itemID="{BD0EC1C4-6C2F-4626-A0D8-3B0EB42EC4F2}">
+  <ds:schemaRefs>
+    <ds:schemaRef ds:uri="http://schemas.microsoft.com/VisualStudio/2011/storyboarding/control"/>
+  </ds:schemaRefs>
+</ds:datastoreItem>
+</file>
+
+<file path=customXml/itemProps40.xml><?xml version="1.0" encoding="utf-8"?>
+<ds:datastoreItem xmlns:ds="http://schemas.openxmlformats.org/officeDocument/2006/customXml" ds:itemID="{DE68B867-12B6-4262-AC0C-8BDC091B4CCA}">
+  <ds:schemaRefs>
+    <ds:schemaRef ds:uri="http://schemas.microsoft.com/VisualStudio/2011/storyboarding/control"/>
+  </ds:schemaRefs>
+</ds:datastoreItem>
+</file>
+
+<file path=customXml/itemProps41.xml><?xml version="1.0" encoding="utf-8"?>
+<ds:datastoreItem xmlns:ds="http://schemas.openxmlformats.org/officeDocument/2006/customXml" ds:itemID="{772743B0-8E49-428C-B603-FBE85704686A}">
+  <ds:schemaRefs>
+    <ds:schemaRef ds:uri="http://schemas.microsoft.com/VisualStudio/2011/storyboarding/control"/>
+  </ds:schemaRefs>
+</ds:datastoreItem>
+</file>
+
+<file path=customXml/itemProps42.xml><?xml version="1.0" encoding="utf-8"?>
+<ds:datastoreItem xmlns:ds="http://schemas.openxmlformats.org/officeDocument/2006/customXml" ds:itemID="{DA754B56-89ED-4A5D-A68A-1D7DEA532AE6}">
+  <ds:schemaRefs>
+    <ds:schemaRef ds:uri="http://schemas.microsoft.com/VisualStudio/2011/storyboarding/control"/>
+  </ds:schemaRefs>
+</ds:datastoreItem>
+</file>
+
+<file path=customXml/itemProps43.xml><?xml version="1.0" encoding="utf-8"?>
 <ds:datastoreItem xmlns:ds="http://schemas.openxmlformats.org/officeDocument/2006/customXml" ds:itemID="{9F874354-5DAE-4169-B64B-C2A3DC4BC910}">
   <ds:schemaRefs>
     <ds:schemaRef ds:uri="http://schemas.microsoft.com/VisualStudio/2011/storyboarding/control"/>
@@ -11727,7 +12011,135 @@
 </ds:datastoreItem>
 </file>
 
-<file path=customXml/itemProps11.xml><?xml version="1.0" encoding="utf-8"?>
+<file path=customXml/itemProps44.xml><?xml version="1.0" encoding="utf-8"?>
+<ds:datastoreItem xmlns:ds="http://schemas.openxmlformats.org/officeDocument/2006/customXml" ds:itemID="{8F4FC085-FA60-42D0-8D28-9A317C607B1A}">
+  <ds:schemaRefs>
+    <ds:schemaRef ds:uri="http://schemas.microsoft.com/VisualStudio/2011/storyboarding/control"/>
+  </ds:schemaRefs>
+</ds:datastoreItem>
+</file>
+
+<file path=customXml/itemProps45.xml><?xml version="1.0" encoding="utf-8"?>
+<ds:datastoreItem xmlns:ds="http://schemas.openxmlformats.org/officeDocument/2006/customXml" ds:itemID="{6F8F094F-78DD-4B2F-ACDF-47AB8FC30C4F}">
+  <ds:schemaRefs>
+    <ds:schemaRef ds:uri="http://schemas.microsoft.com/VisualStudio/2011/storyboarding/control"/>
+  </ds:schemaRefs>
+</ds:datastoreItem>
+</file>
+
+<file path=customXml/itemProps46.xml><?xml version="1.0" encoding="utf-8"?>
+<ds:datastoreItem xmlns:ds="http://schemas.openxmlformats.org/officeDocument/2006/customXml" ds:itemID="{FB3222DE-E2AE-4E3C-A4A4-7FD3BD4DD7AC}">
+  <ds:schemaRefs>
+    <ds:schemaRef ds:uri="http://schemas.microsoft.com/VisualStudio/2011/storyboarding/control"/>
+  </ds:schemaRefs>
+</ds:datastoreItem>
+</file>
+
+<file path=customXml/itemProps47.xml><?xml version="1.0" encoding="utf-8"?>
+<ds:datastoreItem xmlns:ds="http://schemas.openxmlformats.org/officeDocument/2006/customXml" ds:itemID="{7F38FAC9-01AB-482F-B487-7E71255A2D76}">
+  <ds:schemaRefs>
+    <ds:schemaRef ds:uri="http://schemas.microsoft.com/VisualStudio/2011/storyboarding/control"/>
+  </ds:schemaRefs>
+</ds:datastoreItem>
+</file>
+
+<file path=customXml/itemProps48.xml><?xml version="1.0" encoding="utf-8"?>
+<ds:datastoreItem xmlns:ds="http://schemas.openxmlformats.org/officeDocument/2006/customXml" ds:itemID="{89FC1577-1E1A-4116-A06B-FD08B9AB2DF0}">
+  <ds:schemaRefs>
+    <ds:schemaRef ds:uri="http://schemas.microsoft.com/VisualStudio/2011/storyboarding/control"/>
+  </ds:schemaRefs>
+</ds:datastoreItem>
+</file>
+
+<file path=customXml/itemProps49.xml><?xml version="1.0" encoding="utf-8"?>
+<ds:datastoreItem xmlns:ds="http://schemas.openxmlformats.org/officeDocument/2006/customXml" ds:itemID="{213C61FB-DAED-46E7-BBA0-B53F75E2931E}">
+  <ds:schemaRefs>
+    <ds:schemaRef ds:uri="http://schemas.microsoft.com/VisualStudio/2011/storyboarding/control"/>
+  </ds:schemaRefs>
+</ds:datastoreItem>
+</file>
+
+<file path=customXml/itemProps5.xml><?xml version="1.0" encoding="utf-8"?>
+<ds:datastoreItem xmlns:ds="http://schemas.openxmlformats.org/officeDocument/2006/customXml" ds:itemID="{882EF43A-4076-4E14-A28D-05B91BB40443}">
+  <ds:schemaRefs>
+    <ds:schemaRef ds:uri="http://schemas.microsoft.com/VisualStudio/2011/storyboarding/control"/>
+  </ds:schemaRefs>
+</ds:datastoreItem>
+</file>
+
+<file path=customXml/itemProps50.xml><?xml version="1.0" encoding="utf-8"?>
+<ds:datastoreItem xmlns:ds="http://schemas.openxmlformats.org/officeDocument/2006/customXml" ds:itemID="{5C22CF0E-6851-4AAD-BF64-70BAB0586916}">
+  <ds:schemaRefs>
+    <ds:schemaRef ds:uri="http://schemas.microsoft.com/VisualStudio/2011/storyboarding/control"/>
+  </ds:schemaRefs>
+</ds:datastoreItem>
+</file>
+
+<file path=customXml/itemProps51.xml><?xml version="1.0" encoding="utf-8"?>
+<ds:datastoreItem xmlns:ds="http://schemas.openxmlformats.org/officeDocument/2006/customXml" ds:itemID="{B0FF6CBC-E183-4173-900F-FD1C50755F18}">
+  <ds:schemaRefs>
+    <ds:schemaRef ds:uri="http://schemas.microsoft.com/VisualStudio/2011/storyboarding/control"/>
+  </ds:schemaRefs>
+</ds:datastoreItem>
+</file>
+
+<file path=customXml/itemProps52.xml><?xml version="1.0" encoding="utf-8"?>
+<ds:datastoreItem xmlns:ds="http://schemas.openxmlformats.org/officeDocument/2006/customXml" ds:itemID="{6FBC1C3B-56B1-4072-B849-B3069CCCDC06}">
+  <ds:schemaRefs>
+    <ds:schemaRef ds:uri="http://schemas.microsoft.com/VisualStudio/2011/storyboarding/control"/>
+  </ds:schemaRefs>
+</ds:datastoreItem>
+</file>
+
+<file path=customXml/itemProps53.xml><?xml version="1.0" encoding="utf-8"?>
+<ds:datastoreItem xmlns:ds="http://schemas.openxmlformats.org/officeDocument/2006/customXml" ds:itemID="{42C314D7-2865-4D2A-BD2E-0DDAF68EA281}">
+  <ds:schemaRefs>
+    <ds:schemaRef ds:uri="http://schemas.microsoft.com/VisualStudio/2011/storyboarding/control"/>
+  </ds:schemaRefs>
+</ds:datastoreItem>
+</file>
+
+<file path=customXml/itemProps54.xml><?xml version="1.0" encoding="utf-8"?>
+<ds:datastoreItem xmlns:ds="http://schemas.openxmlformats.org/officeDocument/2006/customXml" ds:itemID="{CC9B902C-5F89-4EAC-AE94-F082D6B49C3E}">
+  <ds:schemaRefs>
+    <ds:schemaRef ds:uri="http://schemas.microsoft.com/VisualStudio/2011/storyboarding/control"/>
+  </ds:schemaRefs>
+</ds:datastoreItem>
+</file>
+
+<file path=customXml/itemProps55.xml><?xml version="1.0" encoding="utf-8"?>
+<ds:datastoreItem xmlns:ds="http://schemas.openxmlformats.org/officeDocument/2006/customXml" ds:itemID="{D9798C2D-67F0-4347-B88F-98082C96C39C}">
+  <ds:schemaRefs>
+    <ds:schemaRef ds:uri="http://schemas.microsoft.com/VisualStudio/2011/storyboarding/control"/>
+  </ds:schemaRefs>
+</ds:datastoreItem>
+</file>
+
+<file path=customXml/itemProps56.xml><?xml version="1.0" encoding="utf-8"?>
+<ds:datastoreItem xmlns:ds="http://schemas.openxmlformats.org/officeDocument/2006/customXml" ds:itemID="{3A7B60C4-E20D-4110-82AE-1C769E7054D7}">
+  <ds:schemaRefs>
+    <ds:schemaRef ds:uri="http://schemas.microsoft.com/VisualStudio/2011/storyboarding/control"/>
+  </ds:schemaRefs>
+</ds:datastoreItem>
+</file>
+
+<file path=customXml/itemProps57.xml><?xml version="1.0" encoding="utf-8"?>
+<ds:datastoreItem xmlns:ds="http://schemas.openxmlformats.org/officeDocument/2006/customXml" ds:itemID="{6047FE4A-1A1D-4E01-8871-53377E4F09FB}">
+  <ds:schemaRefs>
+    <ds:schemaRef ds:uri="http://schemas.microsoft.com/VisualStudio/2011/storyboarding/control"/>
+  </ds:schemaRefs>
+</ds:datastoreItem>
+</file>
+
+<file path=customXml/itemProps58.xml><?xml version="1.0" encoding="utf-8"?>
+<ds:datastoreItem xmlns:ds="http://schemas.openxmlformats.org/officeDocument/2006/customXml" ds:itemID="{A184479A-46BC-4D30-ACF8-7965B99B0AE7}">
+  <ds:schemaRefs>
+    <ds:schemaRef ds:uri="http://schemas.microsoft.com/VisualStudio/2011/storyboarding/control"/>
+  </ds:schemaRefs>
+</ds:datastoreItem>
+</file>
+
+<file path=customXml/itemProps6.xml><?xml version="1.0" encoding="utf-8"?>
 <ds:datastoreItem xmlns:ds="http://schemas.openxmlformats.org/officeDocument/2006/customXml" ds:itemID="{3A6E97BB-64F7-469B-BC44-BCF9048F052D}">
   <ds:schemaRefs>
     <ds:schemaRef ds:uri="http://schemas.microsoft.com/VisualStudio/2011/storyboarding/control"/>
@@ -11735,111 +12147,7 @@
 </ds:datastoreItem>
 </file>
 
-<file path=customXml/itemProps12.xml><?xml version="1.0" encoding="utf-8"?>
-<ds:datastoreItem xmlns:ds="http://schemas.openxmlformats.org/officeDocument/2006/customXml" ds:itemID="{FB73D5EE-2530-4108-804E-BC9762641E83}">
-  <ds:schemaRefs>
-    <ds:schemaRef ds:uri="http://schemas.microsoft.com/VisualStudio/2011/storyboarding/control"/>
-  </ds:schemaRefs>
-</ds:datastoreItem>
-</file>
-
-<file path=customXml/itemProps13.xml><?xml version="1.0" encoding="utf-8"?>
-<ds:datastoreItem xmlns:ds="http://schemas.openxmlformats.org/officeDocument/2006/customXml" ds:itemID="{213C61FB-DAED-46E7-BBA0-B53F75E2931E}">
-  <ds:schemaRefs>
-    <ds:schemaRef ds:uri="http://schemas.microsoft.com/VisualStudio/2011/storyboarding/control"/>
-  </ds:schemaRefs>
-</ds:datastoreItem>
-</file>
-
-<file path=customXml/itemProps14.xml><?xml version="1.0" encoding="utf-8"?>
-<ds:datastoreItem xmlns:ds="http://schemas.openxmlformats.org/officeDocument/2006/customXml" ds:itemID="{97338CE5-9B75-42C3-8BA4-12D084FDEFC5}">
-  <ds:schemaRefs>
-    <ds:schemaRef ds:uri="http://schemas.microsoft.com/VisualStudio/2011/storyboarding/control"/>
-  </ds:schemaRefs>
-</ds:datastoreItem>
-</file>
-
-<file path=customXml/itemProps15.xml><?xml version="1.0" encoding="utf-8"?>
-<ds:datastoreItem xmlns:ds="http://schemas.openxmlformats.org/officeDocument/2006/customXml" ds:itemID="{BA804EEF-5790-4E01-B667-ECB62CFB3737}">
-  <ds:schemaRefs>
-    <ds:schemaRef ds:uri="http://schemas.microsoft.com/VisualStudio/2011/storyboarding/control"/>
-  </ds:schemaRefs>
-</ds:datastoreItem>
-</file>
-
-<file path=customXml/itemProps16.xml><?xml version="1.0" encoding="utf-8"?>
-<ds:datastoreItem xmlns:ds="http://schemas.openxmlformats.org/officeDocument/2006/customXml" ds:itemID="{BD0EC1C4-6C2F-4626-A0D8-3B0EB42EC4F2}">
-  <ds:schemaRefs>
-    <ds:schemaRef ds:uri="http://schemas.microsoft.com/VisualStudio/2011/storyboarding/control"/>
-  </ds:schemaRefs>
-</ds:datastoreItem>
-</file>
-
-<file path=customXml/itemProps17.xml><?xml version="1.0" encoding="utf-8"?>
-<ds:datastoreItem xmlns:ds="http://schemas.openxmlformats.org/officeDocument/2006/customXml" ds:itemID="{DA4BCA12-5CFD-4AB9-B74F-58FA697CAC9F}">
-  <ds:schemaRefs>
-    <ds:schemaRef ds:uri="http://schemas.microsoft.com/VisualStudio/2011/storyboarding/control"/>
-  </ds:schemaRefs>
-</ds:datastoreItem>
-</file>
-
-<file path=customXml/itemProps18.xml><?xml version="1.0" encoding="utf-8"?>
-<ds:datastoreItem xmlns:ds="http://schemas.openxmlformats.org/officeDocument/2006/customXml" ds:itemID="{5C22CF0E-6851-4AAD-BF64-70BAB0586916}">
-  <ds:schemaRefs>
-    <ds:schemaRef ds:uri="http://schemas.microsoft.com/VisualStudio/2011/storyboarding/control"/>
-  </ds:schemaRefs>
-</ds:datastoreItem>
-</file>
-
-<file path=customXml/itemProps19.xml><?xml version="1.0" encoding="utf-8"?>
-<ds:datastoreItem xmlns:ds="http://schemas.openxmlformats.org/officeDocument/2006/customXml" ds:itemID="{74A1524E-6161-4BD3-8F36-666CEFF2EB3B}">
-  <ds:schemaRefs>
-    <ds:schemaRef ds:uri="http://schemas.microsoft.com/VisualStudio/2011/storyboarding/control"/>
-  </ds:schemaRefs>
-</ds:datastoreItem>
-</file>
-
-<file path=customXml/itemProps2.xml><?xml version="1.0" encoding="utf-8"?>
-<ds:datastoreItem xmlns:ds="http://schemas.openxmlformats.org/officeDocument/2006/customXml" ds:itemID="{B4F81F4E-8DE9-4EE7-B97E-FEFEB5665977}">
-  <ds:schemaRefs>
-    <ds:schemaRef ds:uri="http://schemas.microsoft.com/VisualStudio/2011/storyboarding/control"/>
-  </ds:schemaRefs>
-</ds:datastoreItem>
-</file>
-
-<file path=customXml/itemProps20.xml><?xml version="1.0" encoding="utf-8"?>
-<ds:datastoreItem xmlns:ds="http://schemas.openxmlformats.org/officeDocument/2006/customXml" ds:itemID="{9CC7DA74-F89F-4639-A5D6-AD7DE787043A}">
-  <ds:schemaRefs>
-    <ds:schemaRef ds:uri="http://schemas.microsoft.com/VisualStudio/2011/storyboarding/control"/>
-  </ds:schemaRefs>
-</ds:datastoreItem>
-</file>
-
-<file path=customXml/itemProps21.xml><?xml version="1.0" encoding="utf-8"?>
-<ds:datastoreItem xmlns:ds="http://schemas.openxmlformats.org/officeDocument/2006/customXml" ds:itemID="{42C314D7-2865-4D2A-BD2E-0DDAF68EA281}">
-  <ds:schemaRefs>
-    <ds:schemaRef ds:uri="http://schemas.microsoft.com/VisualStudio/2011/storyboarding/control"/>
-  </ds:schemaRefs>
-</ds:datastoreItem>
-</file>
-
-<file path=customXml/itemProps22.xml><?xml version="1.0" encoding="utf-8"?>
-<ds:datastoreItem xmlns:ds="http://schemas.openxmlformats.org/officeDocument/2006/customXml" ds:itemID="{0817D47E-EEE1-42BF-8271-60D161907793}">
-  <ds:schemaRefs>
-    <ds:schemaRef ds:uri="http://schemas.microsoft.com/VisualStudio/2011/storyboarding/control"/>
-  </ds:schemaRefs>
-</ds:datastoreItem>
-</file>
-
-<file path=customXml/itemProps23.xml><?xml version="1.0" encoding="utf-8"?>
-<ds:datastoreItem xmlns:ds="http://schemas.openxmlformats.org/officeDocument/2006/customXml" ds:itemID="{18FFF6CA-C8BB-4305-A319-E5FA5E80595C}">
-  <ds:schemaRefs>
-    <ds:schemaRef ds:uri="http://schemas.microsoft.com/VisualStudio/2011/storyboarding/control"/>
-  </ds:schemaRefs>
-</ds:datastoreItem>
-</file>
-
-<file path=customXml/itemProps24.xml><?xml version="1.0" encoding="utf-8"?>
+<file path=customXml/itemProps7.xml><?xml version="1.0" encoding="utf-8"?>
 <ds:datastoreItem xmlns:ds="http://schemas.openxmlformats.org/officeDocument/2006/customXml" ds:itemID="{37EC8C9A-5101-486B-A123-D02CE4B1F1DC}">
   <ds:schemaRefs>
     <ds:schemaRef ds:uri="http://schemas.microsoft.com/VisualStudio/2011/storyboarding/control"/>
@@ -11847,71 +12155,7 @@
 </ds:datastoreItem>
 </file>
 
-<file path=customXml/itemProps25.xml><?xml version="1.0" encoding="utf-8"?>
-<ds:datastoreItem xmlns:ds="http://schemas.openxmlformats.org/officeDocument/2006/customXml" ds:itemID="{049256AF-E688-4839-B45B-F67E76EC06AD}">
-  <ds:schemaRefs>
-    <ds:schemaRef ds:uri="http://schemas.microsoft.com/VisualStudio/2011/storyboarding/control"/>
-  </ds:schemaRefs>
-</ds:datastoreItem>
-</file>
-
-<file path=customXml/itemProps26.xml><?xml version="1.0" encoding="utf-8"?>
-<ds:datastoreItem xmlns:ds="http://schemas.openxmlformats.org/officeDocument/2006/customXml" ds:itemID="{6FBC1C3B-56B1-4072-B849-B3069CCCDC06}">
-  <ds:schemaRefs>
-    <ds:schemaRef ds:uri="http://schemas.microsoft.com/VisualStudio/2011/storyboarding/control"/>
-  </ds:schemaRefs>
-</ds:datastoreItem>
-</file>
-
-<file path=customXml/itemProps27.xml><?xml version="1.0" encoding="utf-8"?>
-<ds:datastoreItem xmlns:ds="http://schemas.openxmlformats.org/officeDocument/2006/customXml" ds:itemID="{6A729775-A06C-4391-A3AE-CA9CCDD7379E}">
-  <ds:schemaRefs>
-    <ds:schemaRef ds:uri="http://schemas.microsoft.com/VisualStudio/2011/storyboarding/control"/>
-  </ds:schemaRefs>
-</ds:datastoreItem>
-</file>
-
-<file path=customXml/itemProps28.xml><?xml version="1.0" encoding="utf-8"?>
-<ds:datastoreItem xmlns:ds="http://schemas.openxmlformats.org/officeDocument/2006/customXml" ds:itemID="{57A8431B-3DC2-4EFD-B22D-FCFA6A211D1D}">
-  <ds:schemaRefs>
-    <ds:schemaRef ds:uri="http://schemas.microsoft.com/VisualStudio/2011/storyboarding/control"/>
-  </ds:schemaRefs>
-</ds:datastoreItem>
-</file>
-
-<file path=customXml/itemProps29.xml><?xml version="1.0" encoding="utf-8"?>
-<ds:datastoreItem xmlns:ds="http://schemas.openxmlformats.org/officeDocument/2006/customXml" ds:itemID="{882EF43A-4076-4E14-A28D-05B91BB40443}">
-  <ds:schemaRefs>
-    <ds:schemaRef ds:uri="http://schemas.microsoft.com/VisualStudio/2011/storyboarding/control"/>
-  </ds:schemaRefs>
-</ds:datastoreItem>
-</file>
-
-<file path=customXml/itemProps3.xml><?xml version="1.0" encoding="utf-8"?>
-<ds:datastoreItem xmlns:ds="http://schemas.openxmlformats.org/officeDocument/2006/customXml" ds:itemID="{817CE946-86E3-495C-AE43-4406EE862C46}">
-  <ds:schemaRefs>
-    <ds:schemaRef ds:uri="http://schemas.microsoft.com/VisualStudio/2011/storyboarding/control"/>
-  </ds:schemaRefs>
-</ds:datastoreItem>
-</file>
-
-<file path=customXml/itemProps30.xml><?xml version="1.0" encoding="utf-8"?>
-<ds:datastoreItem xmlns:ds="http://schemas.openxmlformats.org/officeDocument/2006/customXml" ds:itemID="{47EDB819-8FCA-44E9-8EF7-D4D7632661C1}">
-  <ds:schemaRefs>
-    <ds:schemaRef ds:uri="http://schemas.microsoft.com/VisualStudio/2011/storyboarding/control"/>
-  </ds:schemaRefs>
-</ds:datastoreItem>
-</file>
-
-<file path=customXml/itemProps31.xml><?xml version="1.0" encoding="utf-8"?>
-<ds:datastoreItem xmlns:ds="http://schemas.openxmlformats.org/officeDocument/2006/customXml" ds:itemID="{8F4FC085-FA60-42D0-8D28-9A317C607B1A}">
-  <ds:schemaRefs>
-    <ds:schemaRef ds:uri="http://schemas.microsoft.com/VisualStudio/2011/storyboarding/control"/>
-  </ds:schemaRefs>
-</ds:datastoreItem>
-</file>
-
-<file path=customXml/itemProps32.xml><?xml version="1.0" encoding="utf-8"?>
+<file path=customXml/itemProps8.xml><?xml version="1.0" encoding="utf-8"?>
 <ds:datastoreItem xmlns:ds="http://schemas.openxmlformats.org/officeDocument/2006/customXml" ds:itemID="{61765040-C751-483B-81E3-D5C47FD15E46}">
   <ds:schemaRefs>
     <ds:schemaRef ds:uri="http://schemas.microsoft.com/VisualStudio/2011/storyboarding/control"/>
@@ -11919,250 +12163,10 @@
 </ds:datastoreItem>
 </file>
 
-<file path=customXml/itemProps33.xml><?xml version="1.0" encoding="utf-8"?>
-<ds:datastoreItem xmlns:ds="http://schemas.openxmlformats.org/officeDocument/2006/customXml" ds:itemID="{B3929AEB-8E38-474C-AEB3-1D78D84E5734}">
-  <ds:schemaRefs>
-    <ds:schemaRef ds:uri="http://schemas.microsoft.com/VisualStudio/2011/storyboarding/control"/>
-  </ds:schemaRefs>
-</ds:datastoreItem>
-</file>
-
-<file path=customXml/itemProps34.xml><?xml version="1.0" encoding="utf-8"?>
-<ds:datastoreItem xmlns:ds="http://schemas.openxmlformats.org/officeDocument/2006/customXml" ds:itemID="{CC9B902C-5F89-4EAC-AE94-F082D6B49C3E}">
-  <ds:schemaRefs>
-    <ds:schemaRef ds:uri="http://schemas.microsoft.com/VisualStudio/2011/storyboarding/control"/>
-  </ds:schemaRefs>
-</ds:datastoreItem>
-</file>
-
-<file path=customXml/itemProps35.xml><?xml version="1.0" encoding="utf-8"?>
-<ds:datastoreItem xmlns:ds="http://schemas.openxmlformats.org/officeDocument/2006/customXml" ds:itemID="{C49B51B7-20C1-4683-B6BE-B636777089C1}">
-  <ds:schemaRefs>
-    <ds:schemaRef ds:uri="http://schemas.microsoft.com/VisualStudio/2011/storyboarding/control"/>
-  </ds:schemaRefs>
-</ds:datastoreItem>
-</file>
-
-<file path=customXml/itemProps36.xml><?xml version="1.0" encoding="utf-8"?>
-<ds:datastoreItem xmlns:ds="http://schemas.openxmlformats.org/officeDocument/2006/customXml" ds:itemID="{DE68B867-12B6-4262-AC0C-8BDC091B4CCA}">
-  <ds:schemaRefs>
-    <ds:schemaRef ds:uri="http://schemas.microsoft.com/VisualStudio/2011/storyboarding/control"/>
-  </ds:schemaRefs>
-</ds:datastoreItem>
-</file>
-
-<file path=customXml/itemProps37.xml><?xml version="1.0" encoding="utf-8"?>
+<file path=customXml/itemProps9.xml><?xml version="1.0" encoding="utf-8"?>
 <ds:datastoreItem xmlns:ds="http://schemas.openxmlformats.org/officeDocument/2006/customXml" ds:itemID="{5A641D05-A227-4B98-9EDC-F0CC7084109F}">
   <ds:schemaRefs>
     <ds:schemaRef ds:uri="http://schemas.microsoft.com/VisualStudio/2011/storyboarding/control"/>
   </ds:schemaRefs>
 </ds:datastoreItem>
-</file>
-
-<file path=customXml/itemProps38.xml><?xml version="1.0" encoding="utf-8"?>
-<ds:datastoreItem xmlns:ds="http://schemas.openxmlformats.org/officeDocument/2006/customXml" ds:itemID="{F5DA5D27-0813-4424-82B8-B5A9A5CFF736}">
-  <ds:schemaRefs>
-    <ds:schemaRef ds:uri="http://schemas.microsoft.com/VisualStudio/2011/storyboarding/control"/>
-  </ds:schemaRefs>
-</ds:datastoreItem>
-</file>
-
-<file path=customXml/itemProps39.xml><?xml version="1.0" encoding="utf-8"?>
-<ds:datastoreItem xmlns:ds="http://schemas.openxmlformats.org/officeDocument/2006/customXml" ds:itemID="{B0FF6CBC-E183-4173-900F-FD1C50755F18}">
-  <ds:schemaRefs>
-    <ds:schemaRef ds:uri="http://schemas.microsoft.com/VisualStudio/2011/storyboarding/control"/>
-  </ds:schemaRefs>
-</ds:datastoreItem>
-</file>
-
-<file path=customXml/itemProps4.xml><?xml version="1.0" encoding="utf-8"?>
-<ds:datastoreItem xmlns:ds="http://schemas.openxmlformats.org/officeDocument/2006/customXml" ds:itemID="{7F38FAC9-01AB-482F-B487-7E71255A2D76}">
-  <ds:schemaRefs>
-    <ds:schemaRef ds:uri="http://schemas.microsoft.com/VisualStudio/2011/storyboarding/control"/>
-  </ds:schemaRefs>
-</ds:datastoreItem>
-</file>
-
-<file path=customXml/itemProps40.xml><?xml version="1.0" encoding="utf-8"?>
-<ds:datastoreItem xmlns:ds="http://schemas.openxmlformats.org/officeDocument/2006/customXml" ds:itemID="{DDC68E9E-9D6E-43C9-BC6C-E4841E3650FD}">
-  <ds:schemaRefs>
-    <ds:schemaRef ds:uri="http://schemas.microsoft.com/VisualStudio/2011/storyboarding/control"/>
-  </ds:schemaRefs>
-</ds:datastoreItem>
-</file>
-
-<file path=customXml/itemProps41.xml><?xml version="1.0" encoding="utf-8"?>
-<ds:datastoreItem xmlns:ds="http://schemas.openxmlformats.org/officeDocument/2006/customXml" ds:itemID="{0A8E9D5E-4C00-4D5F-809A-AF0293EF13B8}">
-  <ds:schemaRefs>
-    <ds:schemaRef ds:uri="http://schemas.microsoft.com/VisualStudio/2011/storyboarding/control"/>
-  </ds:schemaRefs>
-</ds:datastoreItem>
-</file>
-
-<file path=customXml/itemProps42.xml><?xml version="1.0" encoding="utf-8"?>
-<ds:datastoreItem xmlns:ds="http://schemas.openxmlformats.org/officeDocument/2006/customXml" ds:itemID="{D9798C2D-67F0-4347-B88F-98082C96C39C}">
-  <ds:schemaRefs>
-    <ds:schemaRef ds:uri="http://schemas.microsoft.com/VisualStudio/2011/storyboarding/control"/>
-  </ds:schemaRefs>
-</ds:datastoreItem>
-</file>
-
-<file path=customXml/itemProps43.xml><?xml version="1.0" encoding="utf-8"?>
-<ds:datastoreItem xmlns:ds="http://schemas.openxmlformats.org/officeDocument/2006/customXml" ds:itemID="{9F1BFE6A-744B-4BF8-8014-B46353988C17}">
-  <ds:schemaRefs>
-    <ds:schemaRef ds:uri="http://schemas.microsoft.com/VisualStudio/2011/storyboarding/control"/>
-  </ds:schemaRefs>
-</ds:datastoreItem>
-</file>
-
-<file path=customXml/itemProps44.xml><?xml version="1.0" encoding="utf-8"?>
-<ds:datastoreItem xmlns:ds="http://schemas.openxmlformats.org/officeDocument/2006/customXml" ds:itemID="{6F8F094F-78DD-4B2F-ACDF-47AB8FC30C4F}">
-  <ds:schemaRefs>
-    <ds:schemaRef ds:uri="http://schemas.microsoft.com/VisualStudio/2011/storyboarding/control"/>
-  </ds:schemaRefs>
-</ds:datastoreItem>
-</file>
-
-<file path=customXml/itemProps45.xml><?xml version="1.0" encoding="utf-8"?>
-<ds:datastoreItem xmlns:ds="http://schemas.openxmlformats.org/officeDocument/2006/customXml" ds:itemID="{A6199874-43B4-4C35-9B31-61E4226A608D}">
-  <ds:schemaRefs>
-    <ds:schemaRef ds:uri="http://schemas.microsoft.com/VisualStudio/2011/storyboarding/control"/>
-  </ds:schemaRefs>
-</ds:datastoreItem>
-</file>
-
-<file path=customXml/itemProps46.xml><?xml version="1.0" encoding="utf-8"?>
-<ds:datastoreItem xmlns:ds="http://schemas.openxmlformats.org/officeDocument/2006/customXml" ds:itemID="{1502BA2F-7B4C-4541-A01D-7AB4F3466F50}">
-  <ds:schemaRefs>
-    <ds:schemaRef ds:uri="http://schemas.microsoft.com/VisualStudio/2011/storyboarding/control"/>
-  </ds:schemaRefs>
-</ds:datastoreItem>
-</file>
-
-<file path=customXml/itemProps47.xml><?xml version="1.0" encoding="utf-8"?>
-<ds:datastoreItem xmlns:ds="http://schemas.openxmlformats.org/officeDocument/2006/customXml" ds:itemID="{3A7B60C4-E20D-4110-82AE-1C769E7054D7}">
-  <ds:schemaRefs>
-    <ds:schemaRef ds:uri="http://schemas.microsoft.com/VisualStudio/2011/storyboarding/control"/>
-  </ds:schemaRefs>
-</ds:datastoreItem>
-</file>
-
-<file path=customXml/itemProps48.xml><?xml version="1.0" encoding="utf-8"?>
-<ds:datastoreItem xmlns:ds="http://schemas.openxmlformats.org/officeDocument/2006/customXml" ds:itemID="{E0F4C8D3-D23B-4056-A4C2-255DF2521DD5}">
-  <ds:schemaRefs>
-    <ds:schemaRef ds:uri="http://schemas.microsoft.com/VisualStudio/2011/storyboarding/control"/>
-  </ds:schemaRefs>
-</ds:datastoreItem>
-</file>
-
-<file path=customXml/itemProps49.xml><?xml version="1.0" encoding="utf-8"?>
-<ds:datastoreItem xmlns:ds="http://schemas.openxmlformats.org/officeDocument/2006/customXml" ds:itemID="{772743B0-8E49-428C-B603-FBE85704686A}">
-  <ds:schemaRefs>
-    <ds:schemaRef ds:uri="http://schemas.microsoft.com/VisualStudio/2011/storyboarding/control"/>
-  </ds:schemaRefs>
-</ds:datastoreItem>
-</file>
-
-<file path=customXml/itemProps5.xml><?xml version="1.0" encoding="utf-8"?>
-<ds:datastoreItem xmlns:ds="http://schemas.openxmlformats.org/officeDocument/2006/customXml" ds:itemID="{57B0DE56-B157-4F1F-8315-CEB4C5B4CB76}">
-  <ds:schemaRefs>
-    <ds:schemaRef ds:uri="http://schemas.microsoft.com/VisualStudio/2011/storyboarding/control"/>
-  </ds:schemaRefs>
-</ds:datastoreItem>
-</file>
-
-<file path=customXml/itemProps50.xml><?xml version="1.0" encoding="utf-8"?>
-<ds:datastoreItem xmlns:ds="http://schemas.openxmlformats.org/officeDocument/2006/customXml" ds:itemID="{6047FE4A-1A1D-4E01-8871-53377E4F09FB}">
-  <ds:schemaRefs>
-    <ds:schemaRef ds:uri="http://schemas.microsoft.com/VisualStudio/2011/storyboarding/control"/>
-  </ds:schemaRefs>
-</ds:datastoreItem>
-</file>
-
-<file path=customXml/itemProps51.xml><?xml version="1.0" encoding="utf-8"?>
-<ds:datastoreItem xmlns:ds="http://schemas.openxmlformats.org/officeDocument/2006/customXml" ds:itemID="{E0F0699E-518E-4A26-AC64-533DB22087D6}">
-  <ds:schemaRefs>
-    <ds:schemaRef ds:uri="http://schemas.microsoft.com/VisualStudio/2011/storyboarding/control"/>
-  </ds:schemaRefs>
-</ds:datastoreItem>
-</file>
-
-<file path=customXml/itemProps52.xml><?xml version="1.0" encoding="utf-8"?>
-<ds:datastoreItem xmlns:ds="http://schemas.openxmlformats.org/officeDocument/2006/customXml" ds:itemID="{FB3222DE-E2AE-4E3C-A4A4-7FD3BD4DD7AC}">
-  <ds:schemaRefs>
-    <ds:schemaRef ds:uri="http://schemas.microsoft.com/VisualStudio/2011/storyboarding/control"/>
-  </ds:schemaRefs>
-</ds:datastoreItem>
-</file>
-
-<file path=customXml/itemProps53.xml><?xml version="1.0" encoding="utf-8"?>
-<ds:datastoreItem xmlns:ds="http://schemas.openxmlformats.org/officeDocument/2006/customXml" ds:itemID="{5139CB1C-CC8F-41D1-A8A5-E569C73B0506}">
-  <ds:schemaRefs>
-    <ds:schemaRef ds:uri="http://schemas.microsoft.com/VisualStudio/2011/storyboarding/control"/>
-  </ds:schemaRefs>
-</ds:datastoreItem>
-</file>
-
-<file path=customXml/itemProps54.xml><?xml version="1.0" encoding="utf-8"?>
-<ds:datastoreItem xmlns:ds="http://schemas.openxmlformats.org/officeDocument/2006/customXml" ds:itemID="{57E12EB0-CE6A-47DF-B8E4-7C3BEF67DE33}">
-  <ds:schemaRefs>
-    <ds:schemaRef ds:uri="http://schemas.microsoft.com/VisualStudio/2011/storyboarding/control"/>
-  </ds:schemaRefs>
-</ds:datastoreItem>
-</file>
-
-<file path=customXml/itemProps55.xml><?xml version="1.0" encoding="utf-8"?>
-<ds:datastoreItem xmlns:ds="http://schemas.openxmlformats.org/officeDocument/2006/customXml" ds:itemID="{E49E94E7-B509-4B6D-AFCA-3C33B411DEDF}">
-  <ds:schemaRefs>
-    <ds:schemaRef ds:uri="http://schemas.microsoft.com/VisualStudio/2011/storyboarding/control"/>
-  </ds:schemaRefs>
-</ds:datastoreItem>
-</file>
-
-<file path=customXml/itemProps56.xml><?xml version="1.0" encoding="utf-8"?>
-<ds:datastoreItem xmlns:ds="http://schemas.openxmlformats.org/officeDocument/2006/customXml" ds:itemID="{94C94671-2EB5-4A26-853E-A0BD3DE24991}">
-  <ds:schemaRefs>
-    <ds:schemaRef ds:uri="http://schemas.microsoft.com/VisualStudio/2011/storyboarding/control"/>
-  </ds:schemaRefs>
-</ds:datastoreItem>
-</file>
-
-<file path=customXml/itemProps57.xml><?xml version="1.0" encoding="utf-8"?>
-<ds:datastoreItem xmlns:ds="http://schemas.openxmlformats.org/officeDocument/2006/customXml" ds:itemID="{DA754B56-89ED-4A5D-A68A-1D7DEA532AE6}">
-  <ds:schemaRefs>
-    <ds:schemaRef ds:uri="http://schemas.microsoft.com/VisualStudio/2011/storyboarding/control"/>
-  </ds:schemaRefs>
-</ds:datastoreItem>
-</file>
-
-<file path=customXml/itemProps6.xml><?xml version="1.0" encoding="utf-8"?>
-<ds:datastoreItem xmlns:ds="http://schemas.openxmlformats.org/officeDocument/2006/customXml" ds:itemID="{9CC3E510-5295-4040-A208-F30900E0A23A}">
-  <ds:schemaRefs>
-    <ds:schemaRef ds:uri="http://schemas.microsoft.com/VisualStudio/2011/storyboarding/control"/>
-  </ds:schemaRefs>
-</ds:datastoreItem>
-</file>
-
-<file path=customXml/itemProps7.xml><?xml version="1.0" encoding="utf-8"?>
-<ds:datastoreItem xmlns:ds="http://schemas.openxmlformats.org/officeDocument/2006/customXml" ds:itemID="{56D5384C-6887-4784-B35F-6BA21D5C067C}">
-  <ds:schemaRefs>
-    <ds:schemaRef ds:uri="http://schemas.microsoft.com/VisualStudio/2011/storyboarding/control"/>
-  </ds:schemaRefs>
-</ds:datastoreItem>
-</file>
-
-<file path=customXml/itemProps8.xml><?xml version="1.0" encoding="utf-8"?>
-<ds:datastoreItem xmlns:ds="http://schemas.openxmlformats.org/officeDocument/2006/customXml" ds:itemID="{AD02BD6A-65CC-468F-A23E-D6BFD148AB99}">
-  <ds:schemaRefs>
-    <ds:schemaRef ds:uri="http://schemas.microsoft.com/VisualStudio/2011/storyboarding/control"/>
-  </ds:schemaRefs>
-</ds:datastoreItem>
-</file>
-
-<file path=customXml/itemProps9.xml><?xml version="1.0" encoding="utf-8"?>
-<ds:datastoreItem xmlns:ds="http://schemas.openxmlformats.org/officeDocument/2006/customXml" ds:itemID="{89FC1577-1E1A-4116-A06B-FD08B9AB2DF0}">
-  <ds:schemaRefs>
-    <ds:schemaRef ds:uri="http://schemas.microsoft.com/VisualStudio/2011/storyboarding/control"/>
-  </ds:schemaRefs>
-</ds:datastoreItem>
 </file>